--- a/CPE Electives (1 - 3)/01. Lectures Notebook/000. Presentations & Text Books/01. Presentation Slides/06.1 Rolling & Expanding.pptx
+++ b/CPE Electives (1 - 3)/01. Lectures Notebook/000. Presentations & Text Books/01. Presentation Slides/06.1 Rolling & Expanding.pptx
@@ -5,10 +5,10 @@
     <p:sldMasterId id="2147483684" r:id="rId1"/>
   </p:sldMasterIdLst>
   <p:notesMasterIdLst>
-    <p:notesMasterId r:id="rId15"/>
+    <p:notesMasterId r:id="rId25"/>
   </p:notesMasterIdLst>
   <p:handoutMasterIdLst>
-    <p:handoutMasterId r:id="rId16"/>
+    <p:handoutMasterId r:id="rId26"/>
   </p:handoutMasterIdLst>
   <p:sldIdLst>
     <p:sldId id="258" r:id="rId2"/>
@@ -18,12 +18,22 @@
     <p:sldId id="362" r:id="rId6"/>
     <p:sldId id="363" r:id="rId7"/>
     <p:sldId id="364" r:id="rId8"/>
-    <p:sldId id="365" r:id="rId9"/>
-    <p:sldId id="366" r:id="rId10"/>
-    <p:sldId id="367" r:id="rId11"/>
-    <p:sldId id="368" r:id="rId12"/>
-    <p:sldId id="369" r:id="rId13"/>
-    <p:sldId id="314" r:id="rId14"/>
+    <p:sldId id="370" r:id="rId9"/>
+    <p:sldId id="371" r:id="rId10"/>
+    <p:sldId id="372" r:id="rId11"/>
+    <p:sldId id="373" r:id="rId12"/>
+    <p:sldId id="374" r:id="rId13"/>
+    <p:sldId id="375" r:id="rId14"/>
+    <p:sldId id="376" r:id="rId15"/>
+    <p:sldId id="377" r:id="rId16"/>
+    <p:sldId id="365" r:id="rId17"/>
+    <p:sldId id="366" r:id="rId18"/>
+    <p:sldId id="367" r:id="rId19"/>
+    <p:sldId id="368" r:id="rId20"/>
+    <p:sldId id="369" r:id="rId21"/>
+    <p:sldId id="379" r:id="rId22"/>
+    <p:sldId id="378" r:id="rId23"/>
+    <p:sldId id="314" r:id="rId24"/>
   </p:sldIdLst>
   <p:sldSz cx="12192000" cy="6858000"/>
   <p:notesSz cx="6858000" cy="9144000"/>
@@ -237,7 +247,7 @@
           <a:p>
             <a:fld id="{3B6B94FD-5702-4F25-9A4D-07294FF3292C}" type="datetimeFigureOut">
               <a:rPr lang="en-PH" smtClean="0"/>
-              <a:t>21 Feb 2025</a:t>
+              <a:t>23 Jan 2026</a:t>
             </a:fld>
             <a:endParaRPr lang="en-PH"/>
           </a:p>
@@ -402,7 +412,7 @@
           <a:p>
             <a:fld id="{8365AC51-C568-4371-A28D-D14CF2BCF8BA}" type="datetimeFigureOut">
               <a:rPr lang="en-US" smtClean="0"/>
-              <a:t>2/21/2025</a:t>
+              <a:t>1/23/2026</a:t>
             </a:fld>
             <a:endParaRPr lang="en-US"/>
           </a:p>
@@ -4271,6 +4281,2333 @@
   <p:cSld>
     <p:spTree>
       <p:nvGrpSpPr>
+        <p:cNvPr id="1" name="">
+          <a:extLst>
+            <a:ext uri="{FF2B5EF4-FFF2-40B4-BE49-F238E27FC236}">
+              <a16:creationId xmlns:a16="http://schemas.microsoft.com/office/drawing/2014/main" id="{3D2F85A6-3C89-9571-DBE7-095A8AEEB100}"/>
+            </a:ext>
+          </a:extLst>
+        </p:cNvPr>
+        <p:cNvGrpSpPr/>
+        <p:nvPr/>
+      </p:nvGrpSpPr>
+      <p:grpSpPr>
+        <a:xfrm>
+          <a:off x="0" y="0"/>
+          <a:ext cx="0" cy="0"/>
+          <a:chOff x="0" y="0"/>
+          <a:chExt cx="0" cy="0"/>
+        </a:xfrm>
+      </p:grpSpPr>
+      <p:sp>
+        <p:nvSpPr>
+          <p:cNvPr id="4" name="Slide Number Placeholder 3">
+            <a:extLst>
+              <a:ext uri="{FF2B5EF4-FFF2-40B4-BE49-F238E27FC236}">
+                <a16:creationId xmlns:a16="http://schemas.microsoft.com/office/drawing/2014/main" id="{84C21195-2407-4A03-5104-31877309B332}"/>
+              </a:ext>
+            </a:extLst>
+          </p:cNvPr>
+          <p:cNvSpPr>
+            <a:spLocks noGrp="1"/>
+          </p:cNvSpPr>
+          <p:nvPr>
+            <p:ph type="sldNum" sz="quarter" idx="12"/>
+          </p:nvPr>
+        </p:nvSpPr>
+        <p:spPr/>
+        <p:txBody>
+          <a:bodyPr/>
+          <a:lstStyle/>
+          <a:p>
+            <a:fld id="{52DC67D9-7476-42EA-B107-119E1B18B658}" type="slidenum">
+              <a:rPr lang="en-US" smtClean="0"/>
+              <a:t>10</a:t>
+            </a:fld>
+            <a:endParaRPr lang="en-US" dirty="0"/>
+          </a:p>
+        </p:txBody>
+      </p:sp>
+      <p:sp>
+        <p:nvSpPr>
+          <p:cNvPr id="5" name="TextBox 4">
+            <a:extLst>
+              <a:ext uri="{FF2B5EF4-FFF2-40B4-BE49-F238E27FC236}">
+                <a16:creationId xmlns:a16="http://schemas.microsoft.com/office/drawing/2014/main" id="{6B0C2F7C-DD8B-D92C-C693-716591731F95}"/>
+              </a:ext>
+            </a:extLst>
+          </p:cNvPr>
+          <p:cNvSpPr txBox="1"/>
+          <p:nvPr/>
+        </p:nvSpPr>
+        <p:spPr>
+          <a:xfrm>
+            <a:off x="858915" y="1031993"/>
+            <a:ext cx="10282560" cy="1077218"/>
+          </a:xfrm>
+          <a:prstGeom prst="rect">
+            <a:avLst/>
+          </a:prstGeom>
+          <a:noFill/>
+        </p:spPr>
+        <p:txBody>
+          <a:bodyPr wrap="square" rtlCol="0">
+            <a:spAutoFit/>
+          </a:bodyPr>
+          <a:lstStyle/>
+          <a:p>
+            <a:r>
+              <a:rPr lang="en-US" sz="3200" b="1" dirty="0"/>
+              <a:t>02. Given the data: 3, 6, 9, 12. What is the 3-window moving average series?</a:t>
+            </a:r>
+            <a:endParaRPr lang="en-PH" sz="3200" dirty="0"/>
+          </a:p>
+        </p:txBody>
+      </p:sp>
+      <p:graphicFrame>
+        <p:nvGraphicFramePr>
+          <p:cNvPr id="6" name="Table 5">
+            <a:extLst>
+              <a:ext uri="{FF2B5EF4-FFF2-40B4-BE49-F238E27FC236}">
+                <a16:creationId xmlns:a16="http://schemas.microsoft.com/office/drawing/2014/main" id="{A9B37473-26C1-E5D5-9D16-253DFF22909F}"/>
+              </a:ext>
+            </a:extLst>
+          </p:cNvPr>
+          <p:cNvGraphicFramePr>
+            <a:graphicFrameLocks noGrp="1"/>
+          </p:cNvGraphicFramePr>
+          <p:nvPr>
+            <p:extLst>
+              <p:ext uri="{D42A27DB-BD31-4B8C-83A1-F6EECF244321}">
+                <p14:modId xmlns:p14="http://schemas.microsoft.com/office/powerpoint/2010/main" val="38184784"/>
+              </p:ext>
+            </p:extLst>
+          </p:nvPr>
+        </p:nvGraphicFramePr>
+        <p:xfrm>
+          <a:off x="932463" y="2308997"/>
+          <a:ext cx="10135464" cy="2153513"/>
+        </p:xfrm>
+        <a:graphic>
+          <a:graphicData uri="http://schemas.openxmlformats.org/drawingml/2006/table">
+            <a:tbl>
+              <a:tblPr firstRow="1" bandRow="1">
+                <a:tableStyleId>{5940675A-B579-460E-94D1-54222C63F5DA}</a:tableStyleId>
+              </a:tblPr>
+              <a:tblGrid>
+                <a:gridCol w="10135464">
+                  <a:extLst>
+                    <a:ext uri="{9D8B030D-6E8A-4147-A177-3AD203B41FA5}">
+                      <a16:colId xmlns:a16="http://schemas.microsoft.com/office/drawing/2014/main" val="347220614"/>
+                    </a:ext>
+                  </a:extLst>
+                </a:gridCol>
+              </a:tblGrid>
+              <a:tr h="417278">
+                <a:tc>
+                  <a:txBody>
+                    <a:bodyPr/>
+                    <a:lstStyle/>
+                    <a:p>
+                      <a:r>
+                        <a:rPr lang="en-US" sz="2800" b="1" dirty="0"/>
+                        <a:t>A</a:t>
+                      </a:r>
+                      <a:r>
+                        <a:rPr lang="en-US" sz="2800" dirty="0"/>
+                        <a:t>. (6, 9)</a:t>
+                      </a:r>
+                      <a:endParaRPr lang="en-PH" sz="2800" dirty="0"/>
+                    </a:p>
+                  </a:txBody>
+                  <a:tcPr/>
+                </a:tc>
+                <a:extLst>
+                  <a:ext uri="{0D108BD9-81ED-4DB2-BD59-A6C34878D82A}">
+                    <a16:rowId xmlns:a16="http://schemas.microsoft.com/office/drawing/2014/main" val="3090890639"/>
+                  </a:ext>
+                </a:extLst>
+              </a:tr>
+              <a:tr h="599033">
+                <a:tc>
+                  <a:txBody>
+                    <a:bodyPr/>
+                    <a:lstStyle/>
+                    <a:p>
+                      <a:r>
+                        <a:rPr lang="en-US" sz="2800" b="1" dirty="0"/>
+                        <a:t>B</a:t>
+                      </a:r>
+                      <a:r>
+                        <a:rPr lang="en-US" sz="2800" dirty="0"/>
+                        <a:t>. (7, 10)</a:t>
+                      </a:r>
+                    </a:p>
+                  </a:txBody>
+                  <a:tcPr/>
+                </a:tc>
+                <a:extLst>
+                  <a:ext uri="{0D108BD9-81ED-4DB2-BD59-A6C34878D82A}">
+                    <a16:rowId xmlns:a16="http://schemas.microsoft.com/office/drawing/2014/main" val="2340900590"/>
+                  </a:ext>
+                </a:extLst>
+              </a:tr>
+              <a:tr h="508725">
+                <a:tc>
+                  <a:txBody>
+                    <a:bodyPr/>
+                    <a:lstStyle/>
+                    <a:p>
+                      <a:r>
+                        <a:rPr lang="en-US" sz="2800" b="1" dirty="0"/>
+                        <a:t>C</a:t>
+                      </a:r>
+                      <a:r>
+                        <a:rPr lang="en-US" sz="2800" dirty="0"/>
+                        <a:t>. (5, 8)</a:t>
+                      </a:r>
+                      <a:endParaRPr lang="en-PH" sz="2800" dirty="0"/>
+                    </a:p>
+                  </a:txBody>
+                  <a:tcPr/>
+                </a:tc>
+                <a:extLst>
+                  <a:ext uri="{0D108BD9-81ED-4DB2-BD59-A6C34878D82A}">
+                    <a16:rowId xmlns:a16="http://schemas.microsoft.com/office/drawing/2014/main" val="3017780003"/>
+                  </a:ext>
+                </a:extLst>
+              </a:tr>
+              <a:tr h="508725">
+                <a:tc>
+                  <a:txBody>
+                    <a:bodyPr/>
+                    <a:lstStyle/>
+                    <a:p>
+                      <a:pPr marL="0" marR="0" lvl="0" indent="0" algn="l" defTabSz="914400" rtl="0" eaLnBrk="1" fontAlgn="auto" latinLnBrk="0" hangingPunct="1">
+                        <a:lnSpc>
+                          <a:spcPct val="100000"/>
+                        </a:lnSpc>
+                        <a:spcBef>
+                          <a:spcPts val="0"/>
+                        </a:spcBef>
+                        <a:spcAft>
+                          <a:spcPts val="0"/>
+                        </a:spcAft>
+                        <a:buClrTx/>
+                        <a:buSzTx/>
+                        <a:buFontTx/>
+                        <a:buNone/>
+                        <a:tabLst/>
+                        <a:defRPr/>
+                      </a:pPr>
+                      <a:r>
+                        <a:rPr lang="en-US" sz="2800" b="1" kern="1200" dirty="0">
+                          <a:solidFill>
+                            <a:schemeClr val="tx1"/>
+                          </a:solidFill>
+                          <a:latin typeface="+mn-lt"/>
+                          <a:ea typeface="+mn-ea"/>
+                          <a:cs typeface="+mn-cs"/>
+                        </a:rPr>
+                        <a:t>D</a:t>
+                      </a:r>
+                      <a:r>
+                        <a:rPr lang="en-US" sz="2800" kern="1200" dirty="0">
+                          <a:solidFill>
+                            <a:schemeClr val="tx1"/>
+                          </a:solidFill>
+                          <a:latin typeface="+mn-lt"/>
+                          <a:ea typeface="+mn-ea"/>
+                          <a:cs typeface="+mn-cs"/>
+                        </a:rPr>
+                        <a:t>. (6, 10)</a:t>
+                      </a:r>
+                      <a:endParaRPr lang="en-PH" sz="2800" kern="1200" dirty="0">
+                        <a:solidFill>
+                          <a:schemeClr val="tx1"/>
+                        </a:solidFill>
+                        <a:latin typeface="+mn-lt"/>
+                        <a:ea typeface="+mn-ea"/>
+                        <a:cs typeface="+mn-cs"/>
+                      </a:endParaRPr>
+                    </a:p>
+                  </a:txBody>
+                  <a:tcPr/>
+                </a:tc>
+                <a:extLst>
+                  <a:ext uri="{0D108BD9-81ED-4DB2-BD59-A6C34878D82A}">
+                    <a16:rowId xmlns:a16="http://schemas.microsoft.com/office/drawing/2014/main" val="716630035"/>
+                  </a:ext>
+                </a:extLst>
+              </a:tr>
+            </a:tbl>
+          </a:graphicData>
+        </a:graphic>
+      </p:graphicFrame>
+    </p:spTree>
+    <p:extLst>
+      <p:ext uri="{BB962C8B-B14F-4D97-AF65-F5344CB8AC3E}">
+        <p14:creationId xmlns:p14="http://schemas.microsoft.com/office/powerpoint/2010/main" val="1531925084"/>
+      </p:ext>
+    </p:extLst>
+  </p:cSld>
+  <p:clrMapOvr>
+    <a:masterClrMapping/>
+  </p:clrMapOvr>
+</p:sld>
+</file>
+
+<file path=ppt/slides/slide11.xml><?xml version="1.0" encoding="utf-8"?>
+<p:sld xmlns:a="http://schemas.openxmlformats.org/drawingml/2006/main" xmlns:r="http://schemas.openxmlformats.org/officeDocument/2006/relationships" xmlns:p="http://schemas.openxmlformats.org/presentationml/2006/main">
+  <p:cSld>
+    <p:spTree>
+      <p:nvGrpSpPr>
+        <p:cNvPr id="1" name="">
+          <a:extLst>
+            <a:ext uri="{FF2B5EF4-FFF2-40B4-BE49-F238E27FC236}">
+              <a16:creationId xmlns:a16="http://schemas.microsoft.com/office/drawing/2014/main" id="{0E1587CD-B912-F029-C8E2-B913AA6E7B81}"/>
+            </a:ext>
+          </a:extLst>
+        </p:cNvPr>
+        <p:cNvGrpSpPr/>
+        <p:nvPr/>
+      </p:nvGrpSpPr>
+      <p:grpSpPr>
+        <a:xfrm>
+          <a:off x="0" y="0"/>
+          <a:ext cx="0" cy="0"/>
+          <a:chOff x="0" y="0"/>
+          <a:chExt cx="0" cy="0"/>
+        </a:xfrm>
+      </p:grpSpPr>
+      <p:sp>
+        <p:nvSpPr>
+          <p:cNvPr id="4" name="Slide Number Placeholder 3">
+            <a:extLst>
+              <a:ext uri="{FF2B5EF4-FFF2-40B4-BE49-F238E27FC236}">
+                <a16:creationId xmlns:a16="http://schemas.microsoft.com/office/drawing/2014/main" id="{83610CC5-EE3E-8728-DA7C-4BBB307006CD}"/>
+              </a:ext>
+            </a:extLst>
+          </p:cNvPr>
+          <p:cNvSpPr>
+            <a:spLocks noGrp="1"/>
+          </p:cNvSpPr>
+          <p:nvPr>
+            <p:ph type="sldNum" sz="quarter" idx="12"/>
+          </p:nvPr>
+        </p:nvSpPr>
+        <p:spPr/>
+        <p:txBody>
+          <a:bodyPr/>
+          <a:lstStyle/>
+          <a:p>
+            <a:fld id="{52DC67D9-7476-42EA-B107-119E1B18B658}" type="slidenum">
+              <a:rPr lang="en-US" smtClean="0"/>
+              <a:t>11</a:t>
+            </a:fld>
+            <a:endParaRPr lang="en-US" dirty="0"/>
+          </a:p>
+        </p:txBody>
+      </p:sp>
+      <p:sp>
+        <p:nvSpPr>
+          <p:cNvPr id="5" name="TextBox 4">
+            <a:extLst>
+              <a:ext uri="{FF2B5EF4-FFF2-40B4-BE49-F238E27FC236}">
+                <a16:creationId xmlns:a16="http://schemas.microsoft.com/office/drawing/2014/main" id="{AE2628C8-9479-1EC8-1DD8-CD2502B4F329}"/>
+              </a:ext>
+            </a:extLst>
+          </p:cNvPr>
+          <p:cNvSpPr txBox="1"/>
+          <p:nvPr/>
+        </p:nvSpPr>
+        <p:spPr>
+          <a:xfrm>
+            <a:off x="858915" y="1031993"/>
+            <a:ext cx="10282560" cy="1077218"/>
+          </a:xfrm>
+          <a:prstGeom prst="rect">
+            <a:avLst/>
+          </a:prstGeom>
+          <a:noFill/>
+        </p:spPr>
+        <p:txBody>
+          <a:bodyPr wrap="square" rtlCol="0">
+            <a:spAutoFit/>
+          </a:bodyPr>
+          <a:lstStyle/>
+          <a:p>
+            <a:r>
+              <a:rPr lang="en-US" sz="3200" b="1" dirty="0"/>
+              <a:t>02. Given the data: 3, 6, 9, 12. What is the 3-window moving average series?</a:t>
+            </a:r>
+            <a:endParaRPr lang="en-PH" sz="3200" dirty="0"/>
+          </a:p>
+        </p:txBody>
+      </p:sp>
+      <p:graphicFrame>
+        <p:nvGraphicFramePr>
+          <p:cNvPr id="6" name="Table 5">
+            <a:extLst>
+              <a:ext uri="{FF2B5EF4-FFF2-40B4-BE49-F238E27FC236}">
+                <a16:creationId xmlns:a16="http://schemas.microsoft.com/office/drawing/2014/main" id="{63B1C29F-5141-B07A-06A5-77E4D4051789}"/>
+              </a:ext>
+            </a:extLst>
+          </p:cNvPr>
+          <p:cNvGraphicFramePr>
+            <a:graphicFrameLocks noGrp="1"/>
+          </p:cNvGraphicFramePr>
+          <p:nvPr>
+            <p:extLst>
+              <p:ext uri="{D42A27DB-BD31-4B8C-83A1-F6EECF244321}">
+                <p14:modId xmlns:p14="http://schemas.microsoft.com/office/powerpoint/2010/main" val="1062244787"/>
+              </p:ext>
+            </p:extLst>
+          </p:nvPr>
+        </p:nvGraphicFramePr>
+        <p:xfrm>
+          <a:off x="932463" y="2308997"/>
+          <a:ext cx="10135464" cy="2153513"/>
+        </p:xfrm>
+        <a:graphic>
+          <a:graphicData uri="http://schemas.openxmlformats.org/drawingml/2006/table">
+            <a:tbl>
+              <a:tblPr firstRow="1" bandRow="1">
+                <a:tableStyleId>{5940675A-B579-460E-94D1-54222C63F5DA}</a:tableStyleId>
+              </a:tblPr>
+              <a:tblGrid>
+                <a:gridCol w="10135464">
+                  <a:extLst>
+                    <a:ext uri="{9D8B030D-6E8A-4147-A177-3AD203B41FA5}">
+                      <a16:colId xmlns:a16="http://schemas.microsoft.com/office/drawing/2014/main" val="347220614"/>
+                    </a:ext>
+                  </a:extLst>
+                </a:gridCol>
+              </a:tblGrid>
+              <a:tr h="417278">
+                <a:tc>
+                  <a:txBody>
+                    <a:bodyPr/>
+                    <a:lstStyle/>
+                    <a:p>
+                      <a:r>
+                        <a:rPr lang="en-US" sz="2800" b="1" dirty="0"/>
+                        <a:t>A</a:t>
+                      </a:r>
+                      <a:r>
+                        <a:rPr lang="en-US" sz="2800" dirty="0"/>
+                        <a:t>. (6, 9)</a:t>
+                      </a:r>
+                      <a:endParaRPr lang="en-PH" sz="2800" dirty="0"/>
+                    </a:p>
+                  </a:txBody>
+                  <a:tcPr>
+                    <a:solidFill>
+                      <a:srgbClr val="FFFF00"/>
+                    </a:solidFill>
+                  </a:tcPr>
+                </a:tc>
+                <a:extLst>
+                  <a:ext uri="{0D108BD9-81ED-4DB2-BD59-A6C34878D82A}">
+                    <a16:rowId xmlns:a16="http://schemas.microsoft.com/office/drawing/2014/main" val="3090890639"/>
+                  </a:ext>
+                </a:extLst>
+              </a:tr>
+              <a:tr h="599033">
+                <a:tc>
+                  <a:txBody>
+                    <a:bodyPr/>
+                    <a:lstStyle/>
+                    <a:p>
+                      <a:r>
+                        <a:rPr lang="en-US" sz="2800" b="1" dirty="0"/>
+                        <a:t>B</a:t>
+                      </a:r>
+                      <a:r>
+                        <a:rPr lang="en-US" sz="2800" dirty="0"/>
+                        <a:t>. (7, 10)</a:t>
+                      </a:r>
+                    </a:p>
+                  </a:txBody>
+                  <a:tcPr/>
+                </a:tc>
+                <a:extLst>
+                  <a:ext uri="{0D108BD9-81ED-4DB2-BD59-A6C34878D82A}">
+                    <a16:rowId xmlns:a16="http://schemas.microsoft.com/office/drawing/2014/main" val="2340900590"/>
+                  </a:ext>
+                </a:extLst>
+              </a:tr>
+              <a:tr h="508725">
+                <a:tc>
+                  <a:txBody>
+                    <a:bodyPr/>
+                    <a:lstStyle/>
+                    <a:p>
+                      <a:r>
+                        <a:rPr lang="en-US" sz="2800" b="1" dirty="0"/>
+                        <a:t>C</a:t>
+                      </a:r>
+                      <a:r>
+                        <a:rPr lang="en-US" sz="2800" dirty="0"/>
+                        <a:t>. (5, 8)</a:t>
+                      </a:r>
+                      <a:endParaRPr lang="en-PH" sz="2800" dirty="0"/>
+                    </a:p>
+                  </a:txBody>
+                  <a:tcPr/>
+                </a:tc>
+                <a:extLst>
+                  <a:ext uri="{0D108BD9-81ED-4DB2-BD59-A6C34878D82A}">
+                    <a16:rowId xmlns:a16="http://schemas.microsoft.com/office/drawing/2014/main" val="3017780003"/>
+                  </a:ext>
+                </a:extLst>
+              </a:tr>
+              <a:tr h="508725">
+                <a:tc>
+                  <a:txBody>
+                    <a:bodyPr/>
+                    <a:lstStyle/>
+                    <a:p>
+                      <a:pPr marL="0" marR="0" lvl="0" indent="0" algn="l" defTabSz="914400" rtl="0" eaLnBrk="1" fontAlgn="auto" latinLnBrk="0" hangingPunct="1">
+                        <a:lnSpc>
+                          <a:spcPct val="100000"/>
+                        </a:lnSpc>
+                        <a:spcBef>
+                          <a:spcPts val="0"/>
+                        </a:spcBef>
+                        <a:spcAft>
+                          <a:spcPts val="0"/>
+                        </a:spcAft>
+                        <a:buClrTx/>
+                        <a:buSzTx/>
+                        <a:buFontTx/>
+                        <a:buNone/>
+                        <a:tabLst/>
+                        <a:defRPr/>
+                      </a:pPr>
+                      <a:r>
+                        <a:rPr lang="en-US" sz="2800" b="1" kern="1200" dirty="0">
+                          <a:solidFill>
+                            <a:schemeClr val="tx1"/>
+                          </a:solidFill>
+                          <a:latin typeface="+mn-lt"/>
+                          <a:ea typeface="+mn-ea"/>
+                          <a:cs typeface="+mn-cs"/>
+                        </a:rPr>
+                        <a:t>D</a:t>
+                      </a:r>
+                      <a:r>
+                        <a:rPr lang="en-US" sz="2800" kern="1200" dirty="0">
+                          <a:solidFill>
+                            <a:schemeClr val="tx1"/>
+                          </a:solidFill>
+                          <a:latin typeface="+mn-lt"/>
+                          <a:ea typeface="+mn-ea"/>
+                          <a:cs typeface="+mn-cs"/>
+                        </a:rPr>
+                        <a:t>. (6, 10)</a:t>
+                      </a:r>
+                      <a:endParaRPr lang="en-PH" sz="2800" kern="1200" dirty="0">
+                        <a:solidFill>
+                          <a:schemeClr val="tx1"/>
+                        </a:solidFill>
+                        <a:latin typeface="+mn-lt"/>
+                        <a:ea typeface="+mn-ea"/>
+                        <a:cs typeface="+mn-cs"/>
+                      </a:endParaRPr>
+                    </a:p>
+                  </a:txBody>
+                  <a:tcPr/>
+                </a:tc>
+                <a:extLst>
+                  <a:ext uri="{0D108BD9-81ED-4DB2-BD59-A6C34878D82A}">
+                    <a16:rowId xmlns:a16="http://schemas.microsoft.com/office/drawing/2014/main" val="716630035"/>
+                  </a:ext>
+                </a:extLst>
+              </a:tr>
+            </a:tbl>
+          </a:graphicData>
+        </a:graphic>
+      </p:graphicFrame>
+      <mc:AlternateContent xmlns:mc="http://schemas.openxmlformats.org/markup-compatibility/2006">
+        <mc:Choice xmlns:a14="http://schemas.microsoft.com/office/drawing/2010/main" Requires="a14">
+          <p:sp>
+            <p:nvSpPr>
+              <p:cNvPr id="2" name="TextBox 1">
+                <a:extLst>
+                  <a:ext uri="{FF2B5EF4-FFF2-40B4-BE49-F238E27FC236}">
+                    <a16:creationId xmlns:a16="http://schemas.microsoft.com/office/drawing/2014/main" id="{7AC8FDCB-3A08-3D01-55FE-E85865E18FC4}"/>
+                  </a:ext>
+                </a:extLst>
+              </p:cNvPr>
+              <p:cNvSpPr txBox="1"/>
+              <p:nvPr/>
+            </p:nvSpPr>
+            <p:spPr>
+              <a:xfrm>
+                <a:off x="932463" y="4810344"/>
+                <a:ext cx="10282560" cy="1015663"/>
+              </a:xfrm>
+              <a:prstGeom prst="rect">
+                <a:avLst/>
+              </a:prstGeom>
+              <a:noFill/>
+            </p:spPr>
+            <p:txBody>
+              <a:bodyPr wrap="square" rtlCol="0">
+                <a:spAutoFit/>
+              </a:bodyPr>
+              <a:lstStyle/>
+              <a:p>
+                <a:r>
+                  <a:rPr lang="en-PH" sz="2000" b="1" dirty="0">
+                    <a:latin typeface="+mj-lt"/>
+                  </a:rPr>
+                  <a:t>Quick computation:</a:t>
+                </a:r>
+                <a:endParaRPr lang="en-PH" sz="2000" dirty="0">
+                  <a:latin typeface="+mj-lt"/>
+                </a:endParaRPr>
+              </a:p>
+              <a:p>
+                <a:r>
+                  <a:rPr lang="en-PH" sz="2000" dirty="0">
+                    <a:latin typeface="+mj-lt"/>
+                  </a:rPr>
+                  <a:t>First average: </a:t>
+                </a:r>
+                <a14:m>
+                  <m:oMath xmlns:m="http://schemas.openxmlformats.org/officeDocument/2006/math">
+                    <m:d>
+                      <m:dPr>
+                        <m:ctrlPr>
+                          <a:rPr lang="ar-AE" sz="2000">
+                            <a:latin typeface="+mj-lt"/>
+                          </a:rPr>
+                        </m:ctrlPr>
+                      </m:dPr>
+                      <m:e>
+                        <m:r>
+                          <a:rPr lang="ar-AE" sz="2000">
+                            <a:latin typeface="+mj-lt"/>
+                          </a:rPr>
+                          <m:t>3</m:t>
+                        </m:r>
+                        <m:r>
+                          <a:rPr lang="ar-AE" sz="2000">
+                            <a:latin typeface="+mj-lt"/>
+                          </a:rPr>
+                          <m:t>+</m:t>
+                        </m:r>
+                        <m:r>
+                          <a:rPr lang="ar-AE" sz="2000">
+                            <a:latin typeface="+mj-lt"/>
+                          </a:rPr>
+                          <m:t>6</m:t>
+                        </m:r>
+                        <m:r>
+                          <a:rPr lang="ar-AE" sz="2000">
+                            <a:latin typeface="+mj-lt"/>
+                          </a:rPr>
+                          <m:t>+</m:t>
+                        </m:r>
+                        <m:r>
+                          <a:rPr lang="ar-AE" sz="2000">
+                            <a:latin typeface="+mj-lt"/>
+                          </a:rPr>
+                          <m:t>9</m:t>
+                        </m:r>
+                      </m:e>
+                    </m:d>
+                    <m:r>
+                      <a:rPr lang="ar-AE" sz="2000">
+                        <a:latin typeface="+mj-lt"/>
+                      </a:rPr>
+                      <m:t>/</m:t>
+                    </m:r>
+                    <m:r>
+                      <a:rPr lang="ar-AE" sz="2000">
+                        <a:latin typeface="+mj-lt"/>
+                      </a:rPr>
+                      <m:t>3</m:t>
+                    </m:r>
+                    <m:r>
+                      <a:rPr lang="ar-AE" sz="2000">
+                        <a:latin typeface="+mj-lt"/>
+                      </a:rPr>
+                      <m:t>=</m:t>
+                    </m:r>
+                    <m:r>
+                      <a:rPr lang="ar-AE" sz="2000">
+                        <a:latin typeface="+mj-lt"/>
+                      </a:rPr>
+                      <m:t>18</m:t>
+                    </m:r>
+                    <m:r>
+                      <a:rPr lang="ar-AE" sz="2000">
+                        <a:latin typeface="+mj-lt"/>
+                      </a:rPr>
+                      <m:t>/</m:t>
+                    </m:r>
+                    <m:r>
+                      <a:rPr lang="ar-AE" sz="2000">
+                        <a:latin typeface="+mj-lt"/>
+                      </a:rPr>
+                      <m:t>3</m:t>
+                    </m:r>
+                    <m:r>
+                      <a:rPr lang="ar-AE" sz="2000">
+                        <a:latin typeface="+mj-lt"/>
+                      </a:rPr>
+                      <m:t>=</m:t>
+                    </m:r>
+                    <m:r>
+                      <a:rPr lang="ar-AE" sz="2000">
+                        <a:latin typeface="+mj-lt"/>
+                      </a:rPr>
+                      <m:t>6</m:t>
+                    </m:r>
+                  </m:oMath>
+                </a14:m>
+                <a:endParaRPr lang="ar-AE" sz="2000" dirty="0">
+                  <a:latin typeface="+mj-lt"/>
+                </a:endParaRPr>
+              </a:p>
+              <a:p>
+                <a:r>
+                  <a:rPr lang="en-PH" sz="2000" dirty="0">
+                    <a:latin typeface="+mj-lt"/>
+                  </a:rPr>
+                  <a:t>Second average: </a:t>
+                </a:r>
+                <a14:m>
+                  <m:oMath xmlns:m="http://schemas.openxmlformats.org/officeDocument/2006/math">
+                    <m:d>
+                      <m:dPr>
+                        <m:ctrlPr>
+                          <a:rPr lang="ar-AE" sz="2000">
+                            <a:latin typeface="+mj-lt"/>
+                          </a:rPr>
+                        </m:ctrlPr>
+                      </m:dPr>
+                      <m:e>
+                        <m:r>
+                          <a:rPr lang="ar-AE" sz="2000">
+                            <a:latin typeface="+mj-lt"/>
+                          </a:rPr>
+                          <m:t>6</m:t>
+                        </m:r>
+                        <m:r>
+                          <a:rPr lang="ar-AE" sz="2000">
+                            <a:latin typeface="+mj-lt"/>
+                          </a:rPr>
+                          <m:t>+</m:t>
+                        </m:r>
+                        <m:r>
+                          <a:rPr lang="ar-AE" sz="2000">
+                            <a:latin typeface="+mj-lt"/>
+                          </a:rPr>
+                          <m:t>9</m:t>
+                        </m:r>
+                        <m:r>
+                          <a:rPr lang="ar-AE" sz="2000">
+                            <a:latin typeface="+mj-lt"/>
+                          </a:rPr>
+                          <m:t>+</m:t>
+                        </m:r>
+                        <m:r>
+                          <a:rPr lang="ar-AE" sz="2000">
+                            <a:latin typeface="+mj-lt"/>
+                          </a:rPr>
+                          <m:t>12</m:t>
+                        </m:r>
+                      </m:e>
+                    </m:d>
+                    <m:r>
+                      <a:rPr lang="ar-AE" sz="2000">
+                        <a:latin typeface="+mj-lt"/>
+                      </a:rPr>
+                      <m:t>/</m:t>
+                    </m:r>
+                    <m:r>
+                      <a:rPr lang="ar-AE" sz="2000">
+                        <a:latin typeface="+mj-lt"/>
+                      </a:rPr>
+                      <m:t>3</m:t>
+                    </m:r>
+                    <m:r>
+                      <a:rPr lang="ar-AE" sz="2000">
+                        <a:latin typeface="+mj-lt"/>
+                      </a:rPr>
+                      <m:t>=</m:t>
+                    </m:r>
+                    <m:r>
+                      <a:rPr lang="ar-AE" sz="2000">
+                        <a:latin typeface="+mj-lt"/>
+                      </a:rPr>
+                      <m:t>27</m:t>
+                    </m:r>
+                    <m:r>
+                      <a:rPr lang="ar-AE" sz="2000">
+                        <a:latin typeface="+mj-lt"/>
+                      </a:rPr>
+                      <m:t>/</m:t>
+                    </m:r>
+                    <m:r>
+                      <a:rPr lang="ar-AE" sz="2000">
+                        <a:latin typeface="+mj-lt"/>
+                      </a:rPr>
+                      <m:t>3</m:t>
+                    </m:r>
+                    <m:r>
+                      <a:rPr lang="ar-AE" sz="2000">
+                        <a:latin typeface="+mj-lt"/>
+                      </a:rPr>
+                      <m:t>=</m:t>
+                    </m:r>
+                    <m:r>
+                      <a:rPr lang="ar-AE" sz="2000">
+                        <a:latin typeface="+mj-lt"/>
+                      </a:rPr>
+                      <m:t>9</m:t>
+                    </m:r>
+                  </m:oMath>
+                </a14:m>
+                <a:endParaRPr lang="ar-AE" sz="2000" dirty="0">
+                  <a:latin typeface="+mj-lt"/>
+                </a:endParaRPr>
+              </a:p>
+            </p:txBody>
+          </p:sp>
+        </mc:Choice>
+        <mc:Fallback>
+          <p:sp>
+            <p:nvSpPr>
+              <p:cNvPr id="2" name="TextBox 1">
+                <a:extLst>
+                  <a:ext uri="{FF2B5EF4-FFF2-40B4-BE49-F238E27FC236}">
+                    <a16:creationId xmlns:a16="http://schemas.microsoft.com/office/drawing/2014/main" id="{7AC8FDCB-3A08-3D01-55FE-E85865E18FC4}"/>
+                  </a:ext>
+                </a:extLst>
+              </p:cNvPr>
+              <p:cNvSpPr txBox="1">
+                <a:spLocks noRot="1" noChangeAspect="1" noMove="1" noResize="1" noEditPoints="1" noAdjustHandles="1" noChangeArrowheads="1" noChangeShapeType="1" noTextEdit="1"/>
+              </p:cNvSpPr>
+              <p:nvPr/>
+            </p:nvSpPr>
+            <p:spPr>
+              <a:xfrm>
+                <a:off x="932463" y="4810344"/>
+                <a:ext cx="10282560" cy="1015663"/>
+              </a:xfrm>
+              <a:prstGeom prst="rect">
+                <a:avLst/>
+              </a:prstGeom>
+              <a:blipFill>
+                <a:blip r:embed="rId2"/>
+                <a:stretch>
+                  <a:fillRect l="-652" t="-2994" b="-9581"/>
+                </a:stretch>
+              </a:blipFill>
+            </p:spPr>
+            <p:txBody>
+              <a:bodyPr/>
+              <a:lstStyle/>
+              <a:p>
+                <a:r>
+                  <a:rPr lang="en-PH">
+                    <a:noFill/>
+                  </a:rPr>
+                  <a:t> </a:t>
+                </a:r>
+              </a:p>
+            </p:txBody>
+          </p:sp>
+        </mc:Fallback>
+      </mc:AlternateContent>
+    </p:spTree>
+    <p:extLst>
+      <p:ext uri="{BB962C8B-B14F-4D97-AF65-F5344CB8AC3E}">
+        <p14:creationId xmlns:p14="http://schemas.microsoft.com/office/powerpoint/2010/main" val="979005438"/>
+      </p:ext>
+    </p:extLst>
+  </p:cSld>
+  <p:clrMapOvr>
+    <a:masterClrMapping/>
+  </p:clrMapOvr>
+</p:sld>
+</file>
+
+<file path=ppt/slides/slide12.xml><?xml version="1.0" encoding="utf-8"?>
+<p:sld xmlns:a="http://schemas.openxmlformats.org/drawingml/2006/main" xmlns:r="http://schemas.openxmlformats.org/officeDocument/2006/relationships" xmlns:p="http://schemas.openxmlformats.org/presentationml/2006/main">
+  <p:cSld>
+    <p:spTree>
+      <p:nvGrpSpPr>
+        <p:cNvPr id="1" name="">
+          <a:extLst>
+            <a:ext uri="{FF2B5EF4-FFF2-40B4-BE49-F238E27FC236}">
+              <a16:creationId xmlns:a16="http://schemas.microsoft.com/office/drawing/2014/main" id="{73ECC863-1D85-79C3-0598-3DA5505724A9}"/>
+            </a:ext>
+          </a:extLst>
+        </p:cNvPr>
+        <p:cNvGrpSpPr/>
+        <p:nvPr/>
+      </p:nvGrpSpPr>
+      <p:grpSpPr>
+        <a:xfrm>
+          <a:off x="0" y="0"/>
+          <a:ext cx="0" cy="0"/>
+          <a:chOff x="0" y="0"/>
+          <a:chExt cx="0" cy="0"/>
+        </a:xfrm>
+      </p:grpSpPr>
+      <p:sp>
+        <p:nvSpPr>
+          <p:cNvPr id="4" name="Slide Number Placeholder 3">
+            <a:extLst>
+              <a:ext uri="{FF2B5EF4-FFF2-40B4-BE49-F238E27FC236}">
+                <a16:creationId xmlns:a16="http://schemas.microsoft.com/office/drawing/2014/main" id="{9EF7CCB9-A6B1-0469-A080-E38BBB22B78B}"/>
+              </a:ext>
+            </a:extLst>
+          </p:cNvPr>
+          <p:cNvSpPr>
+            <a:spLocks noGrp="1"/>
+          </p:cNvSpPr>
+          <p:nvPr>
+            <p:ph type="sldNum" sz="quarter" idx="12"/>
+          </p:nvPr>
+        </p:nvSpPr>
+        <p:spPr/>
+        <p:txBody>
+          <a:bodyPr/>
+          <a:lstStyle/>
+          <a:p>
+            <a:fld id="{52DC67D9-7476-42EA-B107-119E1B18B658}" type="slidenum">
+              <a:rPr lang="en-US" smtClean="0"/>
+              <a:t>12</a:t>
+            </a:fld>
+            <a:endParaRPr lang="en-US" dirty="0"/>
+          </a:p>
+        </p:txBody>
+      </p:sp>
+      <p:sp>
+        <p:nvSpPr>
+          <p:cNvPr id="5" name="TextBox 4">
+            <a:extLst>
+              <a:ext uri="{FF2B5EF4-FFF2-40B4-BE49-F238E27FC236}">
+                <a16:creationId xmlns:a16="http://schemas.microsoft.com/office/drawing/2014/main" id="{6E3CF13B-DF94-FB8A-5A72-EBD5756F1C6D}"/>
+              </a:ext>
+            </a:extLst>
+          </p:cNvPr>
+          <p:cNvSpPr txBox="1"/>
+          <p:nvPr/>
+        </p:nvSpPr>
+        <p:spPr>
+          <a:xfrm>
+            <a:off x="858915" y="1031993"/>
+            <a:ext cx="10282560" cy="1569660"/>
+          </a:xfrm>
+          <a:prstGeom prst="rect">
+            <a:avLst/>
+          </a:prstGeom>
+          <a:noFill/>
+        </p:spPr>
+        <p:txBody>
+          <a:bodyPr wrap="square" rtlCol="0">
+            <a:spAutoFit/>
+          </a:bodyPr>
+          <a:lstStyle/>
+          <a:p>
+            <a:r>
+              <a:rPr lang="en-US" sz="3200" b="1" dirty="0"/>
+              <a:t>03. You have 10 data points and you compute a 3-window moving average. How many moving average values will you get?</a:t>
+            </a:r>
+            <a:endParaRPr lang="en-PH" sz="3200" dirty="0"/>
+          </a:p>
+        </p:txBody>
+      </p:sp>
+      <p:graphicFrame>
+        <p:nvGraphicFramePr>
+          <p:cNvPr id="6" name="Table 5">
+            <a:extLst>
+              <a:ext uri="{FF2B5EF4-FFF2-40B4-BE49-F238E27FC236}">
+                <a16:creationId xmlns:a16="http://schemas.microsoft.com/office/drawing/2014/main" id="{121FC1EE-B1FD-8B11-46DD-4EFC53164AC4}"/>
+              </a:ext>
+            </a:extLst>
+          </p:cNvPr>
+          <p:cNvGraphicFramePr>
+            <a:graphicFrameLocks noGrp="1"/>
+          </p:cNvGraphicFramePr>
+          <p:nvPr>
+            <p:extLst>
+              <p:ext uri="{D42A27DB-BD31-4B8C-83A1-F6EECF244321}">
+                <p14:modId xmlns:p14="http://schemas.microsoft.com/office/powerpoint/2010/main" val="3185631192"/>
+              </p:ext>
+            </p:extLst>
+          </p:nvPr>
+        </p:nvGraphicFramePr>
+        <p:xfrm>
+          <a:off x="932463" y="2897348"/>
+          <a:ext cx="10135464" cy="2153513"/>
+        </p:xfrm>
+        <a:graphic>
+          <a:graphicData uri="http://schemas.openxmlformats.org/drawingml/2006/table">
+            <a:tbl>
+              <a:tblPr firstRow="1" bandRow="1">
+                <a:tableStyleId>{5940675A-B579-460E-94D1-54222C63F5DA}</a:tableStyleId>
+              </a:tblPr>
+              <a:tblGrid>
+                <a:gridCol w="10135464">
+                  <a:extLst>
+                    <a:ext uri="{9D8B030D-6E8A-4147-A177-3AD203B41FA5}">
+                      <a16:colId xmlns:a16="http://schemas.microsoft.com/office/drawing/2014/main" val="347220614"/>
+                    </a:ext>
+                  </a:extLst>
+                </a:gridCol>
+              </a:tblGrid>
+              <a:tr h="391448">
+                <a:tc>
+                  <a:txBody>
+                    <a:bodyPr/>
+                    <a:lstStyle/>
+                    <a:p>
+                      <a:pPr marL="0" indent="0">
+                        <a:buNone/>
+                      </a:pPr>
+                      <a:r>
+                        <a:rPr lang="en-US" sz="2800" b="1" dirty="0"/>
+                        <a:t>A. </a:t>
+                      </a:r>
+                      <a:r>
+                        <a:rPr lang="en-US" sz="2800" b="0" dirty="0"/>
+                        <a:t>10</a:t>
+                      </a:r>
+                      <a:endParaRPr lang="en-PH" sz="2800" b="1" dirty="0"/>
+                    </a:p>
+                  </a:txBody>
+                  <a:tcPr/>
+                </a:tc>
+                <a:extLst>
+                  <a:ext uri="{0D108BD9-81ED-4DB2-BD59-A6C34878D82A}">
+                    <a16:rowId xmlns:a16="http://schemas.microsoft.com/office/drawing/2014/main" val="3090890639"/>
+                  </a:ext>
+                </a:extLst>
+              </a:tr>
+              <a:tr h="599033">
+                <a:tc>
+                  <a:txBody>
+                    <a:bodyPr/>
+                    <a:lstStyle/>
+                    <a:p>
+                      <a:r>
+                        <a:rPr lang="en-US" sz="2800" b="1" dirty="0"/>
+                        <a:t>B</a:t>
+                      </a:r>
+                      <a:r>
+                        <a:rPr lang="en-US" sz="2800" dirty="0"/>
+                        <a:t>. 8</a:t>
+                      </a:r>
+                    </a:p>
+                  </a:txBody>
+                  <a:tcPr/>
+                </a:tc>
+                <a:extLst>
+                  <a:ext uri="{0D108BD9-81ED-4DB2-BD59-A6C34878D82A}">
+                    <a16:rowId xmlns:a16="http://schemas.microsoft.com/office/drawing/2014/main" val="2340900590"/>
+                  </a:ext>
+                </a:extLst>
+              </a:tr>
+              <a:tr h="508725">
+                <a:tc>
+                  <a:txBody>
+                    <a:bodyPr/>
+                    <a:lstStyle/>
+                    <a:p>
+                      <a:r>
+                        <a:rPr lang="en-US" sz="2800" b="1" dirty="0"/>
+                        <a:t>C</a:t>
+                      </a:r>
+                      <a:r>
+                        <a:rPr lang="en-US" sz="2800" dirty="0"/>
+                        <a:t>. 7</a:t>
+                      </a:r>
+                      <a:endParaRPr lang="en-PH" sz="2800" dirty="0"/>
+                    </a:p>
+                  </a:txBody>
+                  <a:tcPr/>
+                </a:tc>
+                <a:extLst>
+                  <a:ext uri="{0D108BD9-81ED-4DB2-BD59-A6C34878D82A}">
+                    <a16:rowId xmlns:a16="http://schemas.microsoft.com/office/drawing/2014/main" val="3017780003"/>
+                  </a:ext>
+                </a:extLst>
+              </a:tr>
+              <a:tr h="508725">
+                <a:tc>
+                  <a:txBody>
+                    <a:bodyPr/>
+                    <a:lstStyle/>
+                    <a:p>
+                      <a:pPr marL="0" marR="0" lvl="0" indent="0" algn="l" defTabSz="914400" rtl="0" eaLnBrk="1" fontAlgn="auto" latinLnBrk="0" hangingPunct="1">
+                        <a:lnSpc>
+                          <a:spcPct val="100000"/>
+                        </a:lnSpc>
+                        <a:spcBef>
+                          <a:spcPts val="0"/>
+                        </a:spcBef>
+                        <a:spcAft>
+                          <a:spcPts val="0"/>
+                        </a:spcAft>
+                        <a:buClrTx/>
+                        <a:buSzTx/>
+                        <a:buFontTx/>
+                        <a:buNone/>
+                        <a:tabLst/>
+                        <a:defRPr/>
+                      </a:pPr>
+                      <a:r>
+                        <a:rPr lang="en-US" sz="2800" b="1" kern="1200" dirty="0">
+                          <a:solidFill>
+                            <a:schemeClr val="tx1"/>
+                          </a:solidFill>
+                          <a:latin typeface="+mn-lt"/>
+                          <a:ea typeface="+mn-ea"/>
+                          <a:cs typeface="+mn-cs"/>
+                        </a:rPr>
+                        <a:t>D</a:t>
+                      </a:r>
+                      <a:r>
+                        <a:rPr lang="en-US" sz="2800" kern="1200" dirty="0">
+                          <a:solidFill>
+                            <a:schemeClr val="tx1"/>
+                          </a:solidFill>
+                          <a:latin typeface="+mn-lt"/>
+                          <a:ea typeface="+mn-ea"/>
+                          <a:cs typeface="+mn-cs"/>
+                        </a:rPr>
+                        <a:t>. 3</a:t>
+                      </a:r>
+                      <a:endParaRPr lang="en-PH" sz="2800" kern="1200" dirty="0">
+                        <a:solidFill>
+                          <a:schemeClr val="tx1"/>
+                        </a:solidFill>
+                        <a:latin typeface="+mn-lt"/>
+                        <a:ea typeface="+mn-ea"/>
+                        <a:cs typeface="+mn-cs"/>
+                      </a:endParaRPr>
+                    </a:p>
+                  </a:txBody>
+                  <a:tcPr/>
+                </a:tc>
+                <a:extLst>
+                  <a:ext uri="{0D108BD9-81ED-4DB2-BD59-A6C34878D82A}">
+                    <a16:rowId xmlns:a16="http://schemas.microsoft.com/office/drawing/2014/main" val="716630035"/>
+                  </a:ext>
+                </a:extLst>
+              </a:tr>
+            </a:tbl>
+          </a:graphicData>
+        </a:graphic>
+      </p:graphicFrame>
+    </p:spTree>
+    <p:extLst>
+      <p:ext uri="{BB962C8B-B14F-4D97-AF65-F5344CB8AC3E}">
+        <p14:creationId xmlns:p14="http://schemas.microsoft.com/office/powerpoint/2010/main" val="3594166438"/>
+      </p:ext>
+    </p:extLst>
+  </p:cSld>
+  <p:clrMapOvr>
+    <a:masterClrMapping/>
+  </p:clrMapOvr>
+</p:sld>
+</file>
+
+<file path=ppt/slides/slide13.xml><?xml version="1.0" encoding="utf-8"?>
+<p:sld xmlns:a="http://schemas.openxmlformats.org/drawingml/2006/main" xmlns:r="http://schemas.openxmlformats.org/officeDocument/2006/relationships" xmlns:p="http://schemas.openxmlformats.org/presentationml/2006/main">
+  <p:cSld>
+    <p:spTree>
+      <p:nvGrpSpPr>
+        <p:cNvPr id="1" name="">
+          <a:extLst>
+            <a:ext uri="{FF2B5EF4-FFF2-40B4-BE49-F238E27FC236}">
+              <a16:creationId xmlns:a16="http://schemas.microsoft.com/office/drawing/2014/main" id="{165268F4-F94F-466F-D969-2B7ADB4EF62C}"/>
+            </a:ext>
+          </a:extLst>
+        </p:cNvPr>
+        <p:cNvGrpSpPr/>
+        <p:nvPr/>
+      </p:nvGrpSpPr>
+      <p:grpSpPr>
+        <a:xfrm>
+          <a:off x="0" y="0"/>
+          <a:ext cx="0" cy="0"/>
+          <a:chOff x="0" y="0"/>
+          <a:chExt cx="0" cy="0"/>
+        </a:xfrm>
+      </p:grpSpPr>
+      <p:sp>
+        <p:nvSpPr>
+          <p:cNvPr id="4" name="Slide Number Placeholder 3">
+            <a:extLst>
+              <a:ext uri="{FF2B5EF4-FFF2-40B4-BE49-F238E27FC236}">
+                <a16:creationId xmlns:a16="http://schemas.microsoft.com/office/drawing/2014/main" id="{ACCBAD94-5B9A-2B45-A9C5-5BD876B79277}"/>
+              </a:ext>
+            </a:extLst>
+          </p:cNvPr>
+          <p:cNvSpPr>
+            <a:spLocks noGrp="1"/>
+          </p:cNvSpPr>
+          <p:nvPr>
+            <p:ph type="sldNum" sz="quarter" idx="12"/>
+          </p:nvPr>
+        </p:nvSpPr>
+        <p:spPr/>
+        <p:txBody>
+          <a:bodyPr/>
+          <a:lstStyle/>
+          <a:p>
+            <a:fld id="{52DC67D9-7476-42EA-B107-119E1B18B658}" type="slidenum">
+              <a:rPr lang="en-US" smtClean="0"/>
+              <a:t>13</a:t>
+            </a:fld>
+            <a:endParaRPr lang="en-US" dirty="0"/>
+          </a:p>
+        </p:txBody>
+      </p:sp>
+      <p:sp>
+        <p:nvSpPr>
+          <p:cNvPr id="5" name="TextBox 4">
+            <a:extLst>
+              <a:ext uri="{FF2B5EF4-FFF2-40B4-BE49-F238E27FC236}">
+                <a16:creationId xmlns:a16="http://schemas.microsoft.com/office/drawing/2014/main" id="{8EF8B564-7737-8249-EC76-16468AE33998}"/>
+              </a:ext>
+            </a:extLst>
+          </p:cNvPr>
+          <p:cNvSpPr txBox="1"/>
+          <p:nvPr/>
+        </p:nvSpPr>
+        <p:spPr>
+          <a:xfrm>
+            <a:off x="858915" y="1031993"/>
+            <a:ext cx="10282560" cy="1569660"/>
+          </a:xfrm>
+          <a:prstGeom prst="rect">
+            <a:avLst/>
+          </a:prstGeom>
+          <a:noFill/>
+        </p:spPr>
+        <p:txBody>
+          <a:bodyPr wrap="square" rtlCol="0">
+            <a:spAutoFit/>
+          </a:bodyPr>
+          <a:lstStyle/>
+          <a:p>
+            <a:r>
+              <a:rPr lang="en-US" sz="3200" b="1" dirty="0"/>
+              <a:t>03. You have 10 data points and you compute a 3-window moving average. How many moving average values will you get?</a:t>
+            </a:r>
+            <a:endParaRPr lang="en-PH" sz="3200" dirty="0"/>
+          </a:p>
+        </p:txBody>
+      </p:sp>
+      <p:graphicFrame>
+        <p:nvGraphicFramePr>
+          <p:cNvPr id="6" name="Table 5">
+            <a:extLst>
+              <a:ext uri="{FF2B5EF4-FFF2-40B4-BE49-F238E27FC236}">
+                <a16:creationId xmlns:a16="http://schemas.microsoft.com/office/drawing/2014/main" id="{855128B5-0105-2A95-C333-F0E34BAC249E}"/>
+              </a:ext>
+            </a:extLst>
+          </p:cNvPr>
+          <p:cNvGraphicFramePr>
+            <a:graphicFrameLocks noGrp="1"/>
+          </p:cNvGraphicFramePr>
+          <p:nvPr>
+            <p:extLst>
+              <p:ext uri="{D42A27DB-BD31-4B8C-83A1-F6EECF244321}">
+                <p14:modId xmlns:p14="http://schemas.microsoft.com/office/powerpoint/2010/main" val="848466951"/>
+              </p:ext>
+            </p:extLst>
+          </p:nvPr>
+        </p:nvGraphicFramePr>
+        <p:xfrm>
+          <a:off x="932463" y="2897348"/>
+          <a:ext cx="10135464" cy="2153513"/>
+        </p:xfrm>
+        <a:graphic>
+          <a:graphicData uri="http://schemas.openxmlformats.org/drawingml/2006/table">
+            <a:tbl>
+              <a:tblPr firstRow="1" bandRow="1">
+                <a:tableStyleId>{5940675A-B579-460E-94D1-54222C63F5DA}</a:tableStyleId>
+              </a:tblPr>
+              <a:tblGrid>
+                <a:gridCol w="10135464">
+                  <a:extLst>
+                    <a:ext uri="{9D8B030D-6E8A-4147-A177-3AD203B41FA5}">
+                      <a16:colId xmlns:a16="http://schemas.microsoft.com/office/drawing/2014/main" val="347220614"/>
+                    </a:ext>
+                  </a:extLst>
+                </a:gridCol>
+              </a:tblGrid>
+              <a:tr h="391448">
+                <a:tc>
+                  <a:txBody>
+                    <a:bodyPr/>
+                    <a:lstStyle/>
+                    <a:p>
+                      <a:pPr marL="0" indent="0">
+                        <a:buNone/>
+                      </a:pPr>
+                      <a:r>
+                        <a:rPr lang="en-US" sz="2800" b="1" dirty="0"/>
+                        <a:t>A. </a:t>
+                      </a:r>
+                      <a:r>
+                        <a:rPr lang="en-US" sz="2800" b="0" dirty="0"/>
+                        <a:t>10</a:t>
+                      </a:r>
+                      <a:endParaRPr lang="en-PH" sz="2800" b="1" dirty="0"/>
+                    </a:p>
+                  </a:txBody>
+                  <a:tcPr/>
+                </a:tc>
+                <a:extLst>
+                  <a:ext uri="{0D108BD9-81ED-4DB2-BD59-A6C34878D82A}">
+                    <a16:rowId xmlns:a16="http://schemas.microsoft.com/office/drawing/2014/main" val="3090890639"/>
+                  </a:ext>
+                </a:extLst>
+              </a:tr>
+              <a:tr h="599033">
+                <a:tc>
+                  <a:txBody>
+                    <a:bodyPr/>
+                    <a:lstStyle/>
+                    <a:p>
+                      <a:r>
+                        <a:rPr lang="en-US" sz="2800" b="1" dirty="0"/>
+                        <a:t>B</a:t>
+                      </a:r>
+                      <a:r>
+                        <a:rPr lang="en-US" sz="2800" dirty="0"/>
+                        <a:t>. 8</a:t>
+                      </a:r>
+                    </a:p>
+                  </a:txBody>
+                  <a:tcPr>
+                    <a:solidFill>
+                      <a:srgbClr val="FFFF00"/>
+                    </a:solidFill>
+                  </a:tcPr>
+                </a:tc>
+                <a:extLst>
+                  <a:ext uri="{0D108BD9-81ED-4DB2-BD59-A6C34878D82A}">
+                    <a16:rowId xmlns:a16="http://schemas.microsoft.com/office/drawing/2014/main" val="2340900590"/>
+                  </a:ext>
+                </a:extLst>
+              </a:tr>
+              <a:tr h="508725">
+                <a:tc>
+                  <a:txBody>
+                    <a:bodyPr/>
+                    <a:lstStyle/>
+                    <a:p>
+                      <a:r>
+                        <a:rPr lang="en-US" sz="2800" b="1" dirty="0"/>
+                        <a:t>C</a:t>
+                      </a:r>
+                      <a:r>
+                        <a:rPr lang="en-US" sz="2800" dirty="0"/>
+                        <a:t>. 7</a:t>
+                      </a:r>
+                      <a:endParaRPr lang="en-PH" sz="2800" dirty="0"/>
+                    </a:p>
+                  </a:txBody>
+                  <a:tcPr/>
+                </a:tc>
+                <a:extLst>
+                  <a:ext uri="{0D108BD9-81ED-4DB2-BD59-A6C34878D82A}">
+                    <a16:rowId xmlns:a16="http://schemas.microsoft.com/office/drawing/2014/main" val="3017780003"/>
+                  </a:ext>
+                </a:extLst>
+              </a:tr>
+              <a:tr h="508725">
+                <a:tc>
+                  <a:txBody>
+                    <a:bodyPr/>
+                    <a:lstStyle/>
+                    <a:p>
+                      <a:pPr marL="0" marR="0" lvl="0" indent="0" algn="l" defTabSz="914400" rtl="0" eaLnBrk="1" fontAlgn="auto" latinLnBrk="0" hangingPunct="1">
+                        <a:lnSpc>
+                          <a:spcPct val="100000"/>
+                        </a:lnSpc>
+                        <a:spcBef>
+                          <a:spcPts val="0"/>
+                        </a:spcBef>
+                        <a:spcAft>
+                          <a:spcPts val="0"/>
+                        </a:spcAft>
+                        <a:buClrTx/>
+                        <a:buSzTx/>
+                        <a:buFontTx/>
+                        <a:buNone/>
+                        <a:tabLst/>
+                        <a:defRPr/>
+                      </a:pPr>
+                      <a:r>
+                        <a:rPr lang="en-US" sz="2800" b="1" kern="1200" dirty="0">
+                          <a:solidFill>
+                            <a:schemeClr val="tx1"/>
+                          </a:solidFill>
+                          <a:latin typeface="+mn-lt"/>
+                          <a:ea typeface="+mn-ea"/>
+                          <a:cs typeface="+mn-cs"/>
+                        </a:rPr>
+                        <a:t>D</a:t>
+                      </a:r>
+                      <a:r>
+                        <a:rPr lang="en-US" sz="2800" kern="1200" dirty="0">
+                          <a:solidFill>
+                            <a:schemeClr val="tx1"/>
+                          </a:solidFill>
+                          <a:latin typeface="+mn-lt"/>
+                          <a:ea typeface="+mn-ea"/>
+                          <a:cs typeface="+mn-cs"/>
+                        </a:rPr>
+                        <a:t>. 3</a:t>
+                      </a:r>
+                      <a:endParaRPr lang="en-PH" sz="2800" kern="1200" dirty="0">
+                        <a:solidFill>
+                          <a:schemeClr val="tx1"/>
+                        </a:solidFill>
+                        <a:latin typeface="+mn-lt"/>
+                        <a:ea typeface="+mn-ea"/>
+                        <a:cs typeface="+mn-cs"/>
+                      </a:endParaRPr>
+                    </a:p>
+                  </a:txBody>
+                  <a:tcPr/>
+                </a:tc>
+                <a:extLst>
+                  <a:ext uri="{0D108BD9-81ED-4DB2-BD59-A6C34878D82A}">
+                    <a16:rowId xmlns:a16="http://schemas.microsoft.com/office/drawing/2014/main" val="716630035"/>
+                  </a:ext>
+                </a:extLst>
+              </a:tr>
+            </a:tbl>
+          </a:graphicData>
+        </a:graphic>
+      </p:graphicFrame>
+      <mc:AlternateContent xmlns:mc="http://schemas.openxmlformats.org/markup-compatibility/2006">
+        <mc:Choice xmlns:a14="http://schemas.microsoft.com/office/drawing/2010/main" Requires="a14">
+          <p:sp>
+            <p:nvSpPr>
+              <p:cNvPr id="3" name="TextBox 2">
+                <a:extLst>
+                  <a:ext uri="{FF2B5EF4-FFF2-40B4-BE49-F238E27FC236}">
+                    <a16:creationId xmlns:a16="http://schemas.microsoft.com/office/drawing/2014/main" id="{51A1DD90-0D14-5192-FFD9-BDC8F9861120}"/>
+                  </a:ext>
+                </a:extLst>
+              </p:cNvPr>
+              <p:cNvSpPr txBox="1"/>
+              <p:nvPr/>
+            </p:nvSpPr>
+            <p:spPr>
+              <a:xfrm>
+                <a:off x="858915" y="5334278"/>
+                <a:ext cx="6094520" cy="461665"/>
+              </a:xfrm>
+              <a:prstGeom prst="rect">
+                <a:avLst/>
+              </a:prstGeom>
+              <a:noFill/>
+            </p:spPr>
+            <p:txBody>
+              <a:bodyPr wrap="square">
+                <a:spAutoFit/>
+              </a:bodyPr>
+              <a:lstStyle/>
+              <a:p>
+                <a:r>
+                  <a:rPr lang="en-PH" sz="2400" b="1" dirty="0">
+                    <a:latin typeface="+mj-lt"/>
+                  </a:rPr>
+                  <a:t>(You get </a:t>
+                </a:r>
+                <a14:m>
+                  <m:oMath xmlns:m="http://schemas.openxmlformats.org/officeDocument/2006/math">
+                    <m:r>
+                      <a:rPr lang="en-PH" sz="2400" b="1" i="1">
+                        <a:latin typeface="+mj-lt"/>
+                      </a:rPr>
+                      <m:t>𝟏𝟎</m:t>
+                    </m:r>
+                    <m:r>
+                      <a:rPr lang="en-PH" sz="2400" b="1" i="0">
+                        <a:latin typeface="+mj-lt"/>
+                      </a:rPr>
+                      <m:t>−</m:t>
+                    </m:r>
+                    <m:r>
+                      <a:rPr lang="en-PH" sz="2400" b="1" i="0">
+                        <a:latin typeface="+mj-lt"/>
+                      </a:rPr>
+                      <m:t>𝟑</m:t>
+                    </m:r>
+                    <m:r>
+                      <a:rPr lang="en-PH" sz="2400" b="1" i="0">
+                        <a:latin typeface="+mj-lt"/>
+                      </a:rPr>
+                      <m:t>+</m:t>
+                    </m:r>
+                    <m:r>
+                      <a:rPr lang="en-PH" sz="2400" b="1" i="0">
+                        <a:latin typeface="+mj-lt"/>
+                      </a:rPr>
+                      <m:t>𝟏</m:t>
+                    </m:r>
+                    <m:r>
+                      <a:rPr lang="en-PH" sz="2400" b="1" i="0">
+                        <a:latin typeface="+mj-lt"/>
+                      </a:rPr>
+                      <m:t>=</m:t>
+                    </m:r>
+                    <m:r>
+                      <a:rPr lang="en-PH" sz="2400" b="1" i="0">
+                        <a:latin typeface="+mj-lt"/>
+                      </a:rPr>
+                      <m:t>𝟖</m:t>
+                    </m:r>
+                  </m:oMath>
+                </a14:m>
+                <a:r>
+                  <a:rPr lang="en-PH" dirty="0">
+                    <a:latin typeface="+mj-lt"/>
+                  </a:rPr>
+                  <a:t>)</a:t>
+                </a:r>
+              </a:p>
+            </p:txBody>
+          </p:sp>
+        </mc:Choice>
+        <mc:Fallback>
+          <p:sp>
+            <p:nvSpPr>
+              <p:cNvPr id="3" name="TextBox 2">
+                <a:extLst>
+                  <a:ext uri="{FF2B5EF4-FFF2-40B4-BE49-F238E27FC236}">
+                    <a16:creationId xmlns:a16="http://schemas.microsoft.com/office/drawing/2014/main" id="{51A1DD90-0D14-5192-FFD9-BDC8F9861120}"/>
+                  </a:ext>
+                </a:extLst>
+              </p:cNvPr>
+              <p:cNvSpPr txBox="1">
+                <a:spLocks noRot="1" noChangeAspect="1" noMove="1" noResize="1" noEditPoints="1" noAdjustHandles="1" noChangeArrowheads="1" noChangeShapeType="1" noTextEdit="1"/>
+              </p:cNvSpPr>
+              <p:nvPr/>
+            </p:nvSpPr>
+            <p:spPr>
+              <a:xfrm>
+                <a:off x="858915" y="5334278"/>
+                <a:ext cx="6094520" cy="461665"/>
+              </a:xfrm>
+              <a:prstGeom prst="rect">
+                <a:avLst/>
+              </a:prstGeom>
+              <a:blipFill>
+                <a:blip r:embed="rId2"/>
+                <a:stretch>
+                  <a:fillRect l="-1600" t="-10526" b="-28947"/>
+                </a:stretch>
+              </a:blipFill>
+            </p:spPr>
+            <p:txBody>
+              <a:bodyPr/>
+              <a:lstStyle/>
+              <a:p>
+                <a:r>
+                  <a:rPr lang="en-PH">
+                    <a:noFill/>
+                  </a:rPr>
+                  <a:t> </a:t>
+                </a:r>
+              </a:p>
+            </p:txBody>
+          </p:sp>
+        </mc:Fallback>
+      </mc:AlternateContent>
+    </p:spTree>
+    <p:extLst>
+      <p:ext uri="{BB962C8B-B14F-4D97-AF65-F5344CB8AC3E}">
+        <p14:creationId xmlns:p14="http://schemas.microsoft.com/office/powerpoint/2010/main" val="1023346093"/>
+      </p:ext>
+    </p:extLst>
+  </p:cSld>
+  <p:clrMapOvr>
+    <a:masterClrMapping/>
+  </p:clrMapOvr>
+</p:sld>
+</file>
+
+<file path=ppt/slides/slide14.xml><?xml version="1.0" encoding="utf-8"?>
+<p:sld xmlns:a="http://schemas.openxmlformats.org/drawingml/2006/main" xmlns:r="http://schemas.openxmlformats.org/officeDocument/2006/relationships" xmlns:p="http://schemas.openxmlformats.org/presentationml/2006/main">
+  <p:cSld>
+    <p:spTree>
+      <p:nvGrpSpPr>
+        <p:cNvPr id="1" name="">
+          <a:extLst>
+            <a:ext uri="{FF2B5EF4-FFF2-40B4-BE49-F238E27FC236}">
+              <a16:creationId xmlns:a16="http://schemas.microsoft.com/office/drawing/2014/main" id="{14C4D1AE-5E43-7F13-95DF-FF574140B2E4}"/>
+            </a:ext>
+          </a:extLst>
+        </p:cNvPr>
+        <p:cNvGrpSpPr/>
+        <p:nvPr/>
+      </p:nvGrpSpPr>
+      <p:grpSpPr>
+        <a:xfrm>
+          <a:off x="0" y="0"/>
+          <a:ext cx="0" cy="0"/>
+          <a:chOff x="0" y="0"/>
+          <a:chExt cx="0" cy="0"/>
+        </a:xfrm>
+      </p:grpSpPr>
+      <p:sp>
+        <p:nvSpPr>
+          <p:cNvPr id="4" name="Slide Number Placeholder 3">
+            <a:extLst>
+              <a:ext uri="{FF2B5EF4-FFF2-40B4-BE49-F238E27FC236}">
+                <a16:creationId xmlns:a16="http://schemas.microsoft.com/office/drawing/2014/main" id="{3BD30979-BCB1-24B3-2D03-6B60FDBFB376}"/>
+              </a:ext>
+            </a:extLst>
+          </p:cNvPr>
+          <p:cNvSpPr>
+            <a:spLocks noGrp="1"/>
+          </p:cNvSpPr>
+          <p:nvPr>
+            <p:ph type="sldNum" sz="quarter" idx="12"/>
+          </p:nvPr>
+        </p:nvSpPr>
+        <p:spPr/>
+        <p:txBody>
+          <a:bodyPr/>
+          <a:lstStyle/>
+          <a:p>
+            <a:fld id="{52DC67D9-7476-42EA-B107-119E1B18B658}" type="slidenum">
+              <a:rPr lang="en-US" smtClean="0"/>
+              <a:t>14</a:t>
+            </a:fld>
+            <a:endParaRPr lang="en-US" dirty="0"/>
+          </a:p>
+        </p:txBody>
+      </p:sp>
+      <p:sp>
+        <p:nvSpPr>
+          <p:cNvPr id="5" name="TextBox 4">
+            <a:extLst>
+              <a:ext uri="{FF2B5EF4-FFF2-40B4-BE49-F238E27FC236}">
+                <a16:creationId xmlns:a16="http://schemas.microsoft.com/office/drawing/2014/main" id="{F8FE63C5-770B-1CAB-E871-F42FB2D99445}"/>
+              </a:ext>
+            </a:extLst>
+          </p:cNvPr>
+          <p:cNvSpPr txBox="1"/>
+          <p:nvPr/>
+        </p:nvSpPr>
+        <p:spPr>
+          <a:xfrm>
+            <a:off x="858915" y="1031993"/>
+            <a:ext cx="10282560" cy="1077218"/>
+          </a:xfrm>
+          <a:prstGeom prst="rect">
+            <a:avLst/>
+          </a:prstGeom>
+          <a:noFill/>
+        </p:spPr>
+        <p:txBody>
+          <a:bodyPr wrap="square" rtlCol="0">
+            <a:spAutoFit/>
+          </a:bodyPr>
+          <a:lstStyle/>
+          <a:p>
+            <a:r>
+              <a:rPr lang="en-US" sz="3200" b="1" dirty="0"/>
+              <a:t>04. If you increase the moving average window size (example: from 3 to 5), the moving average becomes:</a:t>
+            </a:r>
+            <a:endParaRPr lang="en-PH" sz="3200" dirty="0"/>
+          </a:p>
+        </p:txBody>
+      </p:sp>
+      <p:graphicFrame>
+        <p:nvGraphicFramePr>
+          <p:cNvPr id="6" name="Table 5">
+            <a:extLst>
+              <a:ext uri="{FF2B5EF4-FFF2-40B4-BE49-F238E27FC236}">
+                <a16:creationId xmlns:a16="http://schemas.microsoft.com/office/drawing/2014/main" id="{4E9945D8-A4B8-ABBA-E7BB-470BBF1A17B9}"/>
+              </a:ext>
+            </a:extLst>
+          </p:cNvPr>
+          <p:cNvGraphicFramePr>
+            <a:graphicFrameLocks noGrp="1"/>
+          </p:cNvGraphicFramePr>
+          <p:nvPr>
+            <p:extLst>
+              <p:ext uri="{D42A27DB-BD31-4B8C-83A1-F6EECF244321}">
+                <p14:modId xmlns:p14="http://schemas.microsoft.com/office/powerpoint/2010/main" val="1043041857"/>
+              </p:ext>
+            </p:extLst>
+          </p:nvPr>
+        </p:nvGraphicFramePr>
+        <p:xfrm>
+          <a:off x="932463" y="2897348"/>
+          <a:ext cx="10135464" cy="2153513"/>
+        </p:xfrm>
+        <a:graphic>
+          <a:graphicData uri="http://schemas.openxmlformats.org/drawingml/2006/table">
+            <a:tbl>
+              <a:tblPr firstRow="1" bandRow="1">
+                <a:tableStyleId>{5940675A-B579-460E-94D1-54222C63F5DA}</a:tableStyleId>
+              </a:tblPr>
+              <a:tblGrid>
+                <a:gridCol w="10135464">
+                  <a:extLst>
+                    <a:ext uri="{9D8B030D-6E8A-4147-A177-3AD203B41FA5}">
+                      <a16:colId xmlns:a16="http://schemas.microsoft.com/office/drawing/2014/main" val="347220614"/>
+                    </a:ext>
+                  </a:extLst>
+                </a:gridCol>
+              </a:tblGrid>
+              <a:tr h="391448">
+                <a:tc>
+                  <a:txBody>
+                    <a:bodyPr/>
+                    <a:lstStyle/>
+                    <a:p>
+                      <a:pPr marL="0" indent="0">
+                        <a:buNone/>
+                      </a:pPr>
+                      <a:r>
+                        <a:rPr lang="en-US" sz="2800" b="1" dirty="0"/>
+                        <a:t>A. </a:t>
+                      </a:r>
+                      <a:r>
+                        <a:rPr lang="en-US" sz="2800" b="0" dirty="0"/>
+                        <a:t>More smooth</a:t>
+                      </a:r>
+                      <a:endParaRPr lang="en-PH" sz="2800" b="1" dirty="0"/>
+                    </a:p>
+                  </a:txBody>
+                  <a:tcPr/>
+                </a:tc>
+                <a:extLst>
+                  <a:ext uri="{0D108BD9-81ED-4DB2-BD59-A6C34878D82A}">
+                    <a16:rowId xmlns:a16="http://schemas.microsoft.com/office/drawing/2014/main" val="3090890639"/>
+                  </a:ext>
+                </a:extLst>
+              </a:tr>
+              <a:tr h="599033">
+                <a:tc>
+                  <a:txBody>
+                    <a:bodyPr/>
+                    <a:lstStyle/>
+                    <a:p>
+                      <a:r>
+                        <a:rPr lang="en-US" sz="2800" b="1" dirty="0"/>
+                        <a:t>B</a:t>
+                      </a:r>
+                      <a:r>
+                        <a:rPr lang="en-US" sz="2800" dirty="0"/>
+                        <a:t>. More noisy</a:t>
+                      </a:r>
+                    </a:p>
+                  </a:txBody>
+                  <a:tcPr/>
+                </a:tc>
+                <a:extLst>
+                  <a:ext uri="{0D108BD9-81ED-4DB2-BD59-A6C34878D82A}">
+                    <a16:rowId xmlns:a16="http://schemas.microsoft.com/office/drawing/2014/main" val="2340900590"/>
+                  </a:ext>
+                </a:extLst>
+              </a:tr>
+              <a:tr h="508725">
+                <a:tc>
+                  <a:txBody>
+                    <a:bodyPr/>
+                    <a:lstStyle/>
+                    <a:p>
+                      <a:r>
+                        <a:rPr lang="en-US" sz="2800" b="1" dirty="0"/>
+                        <a:t>C</a:t>
+                      </a:r>
+                      <a:r>
+                        <a:rPr lang="en-US" sz="2800" dirty="0"/>
+                        <a:t>. Exactly the same</a:t>
+                      </a:r>
+                      <a:endParaRPr lang="en-PH" sz="2800" dirty="0"/>
+                    </a:p>
+                  </a:txBody>
+                  <a:tcPr/>
+                </a:tc>
+                <a:extLst>
+                  <a:ext uri="{0D108BD9-81ED-4DB2-BD59-A6C34878D82A}">
+                    <a16:rowId xmlns:a16="http://schemas.microsoft.com/office/drawing/2014/main" val="3017780003"/>
+                  </a:ext>
+                </a:extLst>
+              </a:tr>
+              <a:tr h="508725">
+                <a:tc>
+                  <a:txBody>
+                    <a:bodyPr/>
+                    <a:lstStyle/>
+                    <a:p>
+                      <a:pPr marL="0" marR="0" lvl="0" indent="0" algn="l" defTabSz="914400" rtl="0" eaLnBrk="1" fontAlgn="auto" latinLnBrk="0" hangingPunct="1">
+                        <a:lnSpc>
+                          <a:spcPct val="100000"/>
+                        </a:lnSpc>
+                        <a:spcBef>
+                          <a:spcPts val="0"/>
+                        </a:spcBef>
+                        <a:spcAft>
+                          <a:spcPts val="0"/>
+                        </a:spcAft>
+                        <a:buClrTx/>
+                        <a:buSzTx/>
+                        <a:buFontTx/>
+                        <a:buNone/>
+                        <a:tabLst/>
+                        <a:defRPr/>
+                      </a:pPr>
+                      <a:r>
+                        <a:rPr lang="en-US" sz="2800" b="1" kern="1200" dirty="0">
+                          <a:solidFill>
+                            <a:schemeClr val="tx1"/>
+                          </a:solidFill>
+                          <a:latin typeface="+mn-lt"/>
+                          <a:ea typeface="+mn-ea"/>
+                          <a:cs typeface="+mn-cs"/>
+                        </a:rPr>
+                        <a:t>D</a:t>
+                      </a:r>
+                      <a:r>
+                        <a:rPr lang="en-US" sz="2800" kern="1200" dirty="0">
+                          <a:solidFill>
+                            <a:schemeClr val="tx1"/>
+                          </a:solidFill>
+                          <a:latin typeface="+mn-lt"/>
+                          <a:ea typeface="+mn-ea"/>
+                          <a:cs typeface="+mn-cs"/>
+                        </a:rPr>
+                        <a:t>. Always increasing</a:t>
+                      </a:r>
+                      <a:endParaRPr lang="en-PH" sz="2800" kern="1200" dirty="0">
+                        <a:solidFill>
+                          <a:schemeClr val="tx1"/>
+                        </a:solidFill>
+                        <a:latin typeface="+mn-lt"/>
+                        <a:ea typeface="+mn-ea"/>
+                        <a:cs typeface="+mn-cs"/>
+                      </a:endParaRPr>
+                    </a:p>
+                  </a:txBody>
+                  <a:tcPr/>
+                </a:tc>
+                <a:extLst>
+                  <a:ext uri="{0D108BD9-81ED-4DB2-BD59-A6C34878D82A}">
+                    <a16:rowId xmlns:a16="http://schemas.microsoft.com/office/drawing/2014/main" val="716630035"/>
+                  </a:ext>
+                </a:extLst>
+              </a:tr>
+            </a:tbl>
+          </a:graphicData>
+        </a:graphic>
+      </p:graphicFrame>
+    </p:spTree>
+    <p:extLst>
+      <p:ext uri="{BB962C8B-B14F-4D97-AF65-F5344CB8AC3E}">
+        <p14:creationId xmlns:p14="http://schemas.microsoft.com/office/powerpoint/2010/main" val="4074755451"/>
+      </p:ext>
+    </p:extLst>
+  </p:cSld>
+  <p:clrMapOvr>
+    <a:masterClrMapping/>
+  </p:clrMapOvr>
+</p:sld>
+</file>
+
+<file path=ppt/slides/slide15.xml><?xml version="1.0" encoding="utf-8"?>
+<p:sld xmlns:a="http://schemas.openxmlformats.org/drawingml/2006/main" xmlns:r="http://schemas.openxmlformats.org/officeDocument/2006/relationships" xmlns:p="http://schemas.openxmlformats.org/presentationml/2006/main">
+  <p:cSld>
+    <p:spTree>
+      <p:nvGrpSpPr>
+        <p:cNvPr id="1" name="">
+          <a:extLst>
+            <a:ext uri="{FF2B5EF4-FFF2-40B4-BE49-F238E27FC236}">
+              <a16:creationId xmlns:a16="http://schemas.microsoft.com/office/drawing/2014/main" id="{A94D9BEE-453B-42C4-E154-428C8A2FD3B6}"/>
+            </a:ext>
+          </a:extLst>
+        </p:cNvPr>
+        <p:cNvGrpSpPr/>
+        <p:nvPr/>
+      </p:nvGrpSpPr>
+      <p:grpSpPr>
+        <a:xfrm>
+          <a:off x="0" y="0"/>
+          <a:ext cx="0" cy="0"/>
+          <a:chOff x="0" y="0"/>
+          <a:chExt cx="0" cy="0"/>
+        </a:xfrm>
+      </p:grpSpPr>
+      <p:sp>
+        <p:nvSpPr>
+          <p:cNvPr id="4" name="Slide Number Placeholder 3">
+            <a:extLst>
+              <a:ext uri="{FF2B5EF4-FFF2-40B4-BE49-F238E27FC236}">
+                <a16:creationId xmlns:a16="http://schemas.microsoft.com/office/drawing/2014/main" id="{1EB3D640-7DC4-82B7-0ADA-7E01C84E6665}"/>
+              </a:ext>
+            </a:extLst>
+          </p:cNvPr>
+          <p:cNvSpPr>
+            <a:spLocks noGrp="1"/>
+          </p:cNvSpPr>
+          <p:nvPr>
+            <p:ph type="sldNum" sz="quarter" idx="12"/>
+          </p:nvPr>
+        </p:nvSpPr>
+        <p:spPr/>
+        <p:txBody>
+          <a:bodyPr/>
+          <a:lstStyle/>
+          <a:p>
+            <a:fld id="{52DC67D9-7476-42EA-B107-119E1B18B658}" type="slidenum">
+              <a:rPr lang="en-US" smtClean="0"/>
+              <a:t>15</a:t>
+            </a:fld>
+            <a:endParaRPr lang="en-US" dirty="0"/>
+          </a:p>
+        </p:txBody>
+      </p:sp>
+      <p:sp>
+        <p:nvSpPr>
+          <p:cNvPr id="5" name="TextBox 4">
+            <a:extLst>
+              <a:ext uri="{FF2B5EF4-FFF2-40B4-BE49-F238E27FC236}">
+                <a16:creationId xmlns:a16="http://schemas.microsoft.com/office/drawing/2014/main" id="{BBFE095D-F314-AD49-F783-FFE59A5F9E9A}"/>
+              </a:ext>
+            </a:extLst>
+          </p:cNvPr>
+          <p:cNvSpPr txBox="1"/>
+          <p:nvPr/>
+        </p:nvSpPr>
+        <p:spPr>
+          <a:xfrm>
+            <a:off x="858915" y="1031993"/>
+            <a:ext cx="10282560" cy="1077218"/>
+          </a:xfrm>
+          <a:prstGeom prst="rect">
+            <a:avLst/>
+          </a:prstGeom>
+          <a:noFill/>
+        </p:spPr>
+        <p:txBody>
+          <a:bodyPr wrap="square" rtlCol="0">
+            <a:spAutoFit/>
+          </a:bodyPr>
+          <a:lstStyle/>
+          <a:p>
+            <a:r>
+              <a:rPr lang="en-US" sz="3200" b="1" dirty="0"/>
+              <a:t>04. If you increase the moving average window size (example: from 3 to 5), the moving average becomes:</a:t>
+            </a:r>
+            <a:endParaRPr lang="en-PH" sz="3200" dirty="0"/>
+          </a:p>
+        </p:txBody>
+      </p:sp>
+      <p:graphicFrame>
+        <p:nvGraphicFramePr>
+          <p:cNvPr id="6" name="Table 5">
+            <a:extLst>
+              <a:ext uri="{FF2B5EF4-FFF2-40B4-BE49-F238E27FC236}">
+                <a16:creationId xmlns:a16="http://schemas.microsoft.com/office/drawing/2014/main" id="{DA2F15F7-3735-DF6A-6246-4E3218200C15}"/>
+              </a:ext>
+            </a:extLst>
+          </p:cNvPr>
+          <p:cNvGraphicFramePr>
+            <a:graphicFrameLocks noGrp="1"/>
+          </p:cNvGraphicFramePr>
+          <p:nvPr>
+            <p:extLst>
+              <p:ext uri="{D42A27DB-BD31-4B8C-83A1-F6EECF244321}">
+                <p14:modId xmlns:p14="http://schemas.microsoft.com/office/powerpoint/2010/main" val="591430423"/>
+              </p:ext>
+            </p:extLst>
+          </p:nvPr>
+        </p:nvGraphicFramePr>
+        <p:xfrm>
+          <a:off x="932463" y="2897348"/>
+          <a:ext cx="10135464" cy="2153513"/>
+        </p:xfrm>
+        <a:graphic>
+          <a:graphicData uri="http://schemas.openxmlformats.org/drawingml/2006/table">
+            <a:tbl>
+              <a:tblPr firstRow="1" bandRow="1">
+                <a:tableStyleId>{5940675A-B579-460E-94D1-54222C63F5DA}</a:tableStyleId>
+              </a:tblPr>
+              <a:tblGrid>
+                <a:gridCol w="10135464">
+                  <a:extLst>
+                    <a:ext uri="{9D8B030D-6E8A-4147-A177-3AD203B41FA5}">
+                      <a16:colId xmlns:a16="http://schemas.microsoft.com/office/drawing/2014/main" val="347220614"/>
+                    </a:ext>
+                  </a:extLst>
+                </a:gridCol>
+              </a:tblGrid>
+              <a:tr h="391448">
+                <a:tc>
+                  <a:txBody>
+                    <a:bodyPr/>
+                    <a:lstStyle/>
+                    <a:p>
+                      <a:pPr marL="0" indent="0">
+                        <a:buNone/>
+                      </a:pPr>
+                      <a:r>
+                        <a:rPr lang="en-US" sz="2800" b="1" dirty="0"/>
+                        <a:t>A. </a:t>
+                      </a:r>
+                      <a:r>
+                        <a:rPr lang="en-US" sz="2800" b="0" dirty="0"/>
+                        <a:t>More smooth</a:t>
+                      </a:r>
+                      <a:endParaRPr lang="en-PH" sz="2800" b="1" dirty="0"/>
+                    </a:p>
+                  </a:txBody>
+                  <a:tcPr>
+                    <a:solidFill>
+                      <a:srgbClr val="FFFF00"/>
+                    </a:solidFill>
+                  </a:tcPr>
+                </a:tc>
+                <a:extLst>
+                  <a:ext uri="{0D108BD9-81ED-4DB2-BD59-A6C34878D82A}">
+                    <a16:rowId xmlns:a16="http://schemas.microsoft.com/office/drawing/2014/main" val="3090890639"/>
+                  </a:ext>
+                </a:extLst>
+              </a:tr>
+              <a:tr h="599033">
+                <a:tc>
+                  <a:txBody>
+                    <a:bodyPr/>
+                    <a:lstStyle/>
+                    <a:p>
+                      <a:r>
+                        <a:rPr lang="en-US" sz="2800" b="1" dirty="0"/>
+                        <a:t>B</a:t>
+                      </a:r>
+                      <a:r>
+                        <a:rPr lang="en-US" sz="2800" dirty="0"/>
+                        <a:t>. More noisy</a:t>
+                      </a:r>
+                    </a:p>
+                  </a:txBody>
+                  <a:tcPr/>
+                </a:tc>
+                <a:extLst>
+                  <a:ext uri="{0D108BD9-81ED-4DB2-BD59-A6C34878D82A}">
+                    <a16:rowId xmlns:a16="http://schemas.microsoft.com/office/drawing/2014/main" val="2340900590"/>
+                  </a:ext>
+                </a:extLst>
+              </a:tr>
+              <a:tr h="508725">
+                <a:tc>
+                  <a:txBody>
+                    <a:bodyPr/>
+                    <a:lstStyle/>
+                    <a:p>
+                      <a:r>
+                        <a:rPr lang="en-US" sz="2800" b="1" dirty="0"/>
+                        <a:t>C</a:t>
+                      </a:r>
+                      <a:r>
+                        <a:rPr lang="en-US" sz="2800" dirty="0"/>
+                        <a:t>. Exactly the same</a:t>
+                      </a:r>
+                      <a:endParaRPr lang="en-PH" sz="2800" dirty="0"/>
+                    </a:p>
+                  </a:txBody>
+                  <a:tcPr/>
+                </a:tc>
+                <a:extLst>
+                  <a:ext uri="{0D108BD9-81ED-4DB2-BD59-A6C34878D82A}">
+                    <a16:rowId xmlns:a16="http://schemas.microsoft.com/office/drawing/2014/main" val="3017780003"/>
+                  </a:ext>
+                </a:extLst>
+              </a:tr>
+              <a:tr h="508725">
+                <a:tc>
+                  <a:txBody>
+                    <a:bodyPr/>
+                    <a:lstStyle/>
+                    <a:p>
+                      <a:pPr marL="0" marR="0" lvl="0" indent="0" algn="l" defTabSz="914400" rtl="0" eaLnBrk="1" fontAlgn="auto" latinLnBrk="0" hangingPunct="1">
+                        <a:lnSpc>
+                          <a:spcPct val="100000"/>
+                        </a:lnSpc>
+                        <a:spcBef>
+                          <a:spcPts val="0"/>
+                        </a:spcBef>
+                        <a:spcAft>
+                          <a:spcPts val="0"/>
+                        </a:spcAft>
+                        <a:buClrTx/>
+                        <a:buSzTx/>
+                        <a:buFontTx/>
+                        <a:buNone/>
+                        <a:tabLst/>
+                        <a:defRPr/>
+                      </a:pPr>
+                      <a:r>
+                        <a:rPr lang="en-US" sz="2800" b="1" kern="1200" dirty="0">
+                          <a:solidFill>
+                            <a:schemeClr val="tx1"/>
+                          </a:solidFill>
+                          <a:latin typeface="+mn-lt"/>
+                          <a:ea typeface="+mn-ea"/>
+                          <a:cs typeface="+mn-cs"/>
+                        </a:rPr>
+                        <a:t>D</a:t>
+                      </a:r>
+                      <a:r>
+                        <a:rPr lang="en-US" sz="2800" kern="1200" dirty="0">
+                          <a:solidFill>
+                            <a:schemeClr val="tx1"/>
+                          </a:solidFill>
+                          <a:latin typeface="+mn-lt"/>
+                          <a:ea typeface="+mn-ea"/>
+                          <a:cs typeface="+mn-cs"/>
+                        </a:rPr>
+                        <a:t>. Always increasing</a:t>
+                      </a:r>
+                      <a:endParaRPr lang="en-PH" sz="2800" kern="1200" dirty="0">
+                        <a:solidFill>
+                          <a:schemeClr val="tx1"/>
+                        </a:solidFill>
+                        <a:latin typeface="+mn-lt"/>
+                        <a:ea typeface="+mn-ea"/>
+                        <a:cs typeface="+mn-cs"/>
+                      </a:endParaRPr>
+                    </a:p>
+                  </a:txBody>
+                  <a:tcPr/>
+                </a:tc>
+                <a:extLst>
+                  <a:ext uri="{0D108BD9-81ED-4DB2-BD59-A6C34878D82A}">
+                    <a16:rowId xmlns:a16="http://schemas.microsoft.com/office/drawing/2014/main" val="716630035"/>
+                  </a:ext>
+                </a:extLst>
+              </a:tr>
+            </a:tbl>
+          </a:graphicData>
+        </a:graphic>
+      </p:graphicFrame>
+      <p:sp>
+        <p:nvSpPr>
+          <p:cNvPr id="2" name="TextBox 1">
+            <a:extLst>
+              <a:ext uri="{FF2B5EF4-FFF2-40B4-BE49-F238E27FC236}">
+                <a16:creationId xmlns:a16="http://schemas.microsoft.com/office/drawing/2014/main" id="{2DADAD72-31BD-997A-ACD6-0139F65807C8}"/>
+              </a:ext>
+            </a:extLst>
+          </p:cNvPr>
+          <p:cNvSpPr txBox="1"/>
+          <p:nvPr/>
+        </p:nvSpPr>
+        <p:spPr>
+          <a:xfrm>
+            <a:off x="858915" y="5334278"/>
+            <a:ext cx="7947734" cy="461665"/>
+          </a:xfrm>
+          <a:prstGeom prst="rect">
+            <a:avLst/>
+          </a:prstGeom>
+          <a:noFill/>
+        </p:spPr>
+        <p:txBody>
+          <a:bodyPr wrap="square">
+            <a:spAutoFit/>
+          </a:bodyPr>
+          <a:lstStyle/>
+          <a:p>
+            <a:r>
+              <a:rPr lang="en-PH" sz="2400" b="1" dirty="0">
+                <a:latin typeface="+mj-lt"/>
+              </a:rPr>
+              <a:t>It becomes smoother, but less sensitive to changes</a:t>
+            </a:r>
+            <a:endParaRPr lang="en-PH" dirty="0">
+              <a:latin typeface="+mj-lt"/>
+            </a:endParaRPr>
+          </a:p>
+        </p:txBody>
+      </p:sp>
+    </p:spTree>
+    <p:extLst>
+      <p:ext uri="{BB962C8B-B14F-4D97-AF65-F5344CB8AC3E}">
+        <p14:creationId xmlns:p14="http://schemas.microsoft.com/office/powerpoint/2010/main" val="836059051"/>
+      </p:ext>
+    </p:extLst>
+  </p:cSld>
+  <p:clrMapOvr>
+    <a:masterClrMapping/>
+  </p:clrMapOvr>
+</p:sld>
+</file>
+
+<file path=ppt/slides/slide16.xml><?xml version="1.0" encoding="utf-8"?>
+<p:sld xmlns:a="http://schemas.openxmlformats.org/drawingml/2006/main" xmlns:r="http://schemas.openxmlformats.org/officeDocument/2006/relationships" xmlns:p="http://schemas.openxmlformats.org/presentationml/2006/main">
+  <p:cSld>
+    <p:spTree>
+      <p:nvGrpSpPr>
+        <p:cNvPr id="1" name=""/>
+        <p:cNvGrpSpPr/>
+        <p:nvPr/>
+      </p:nvGrpSpPr>
+      <p:grpSpPr>
+        <a:xfrm>
+          <a:off x="0" y="0"/>
+          <a:ext cx="0" cy="0"/>
+          <a:chOff x="0" y="0"/>
+          <a:chExt cx="0" cy="0"/>
+        </a:xfrm>
+      </p:grpSpPr>
+      <p:sp>
+        <p:nvSpPr>
+          <p:cNvPr id="4" name="TextBox 3"/>
+          <p:cNvSpPr txBox="1"/>
+          <p:nvPr/>
+        </p:nvSpPr>
+        <p:spPr>
+          <a:xfrm>
+            <a:off x="743093" y="1185878"/>
+            <a:ext cx="10558668" cy="3847207"/>
+          </a:xfrm>
+          <a:prstGeom prst="rect">
+            <a:avLst/>
+          </a:prstGeom>
+          <a:noFill/>
+        </p:spPr>
+        <p:txBody>
+          <a:bodyPr wrap="square" rtlCol="0">
+            <a:spAutoFit/>
+          </a:bodyPr>
+          <a:lstStyle/>
+          <a:p>
+            <a:r>
+              <a:rPr lang="en-US" sz="4400" b="1" dirty="0"/>
+              <a:t>Expanding Window</a:t>
+            </a:r>
+          </a:p>
+          <a:p>
+            <a:endParaRPr lang="en-US" sz="2400" b="1" dirty="0"/>
+          </a:p>
+          <a:p>
+            <a:r>
+              <a:rPr lang="en-US" sz="4400" dirty="0"/>
+              <a:t>An expanding window in time series analysis progressively increasing the size of the window from the start of the series up to the current point in time</a:t>
+            </a:r>
+            <a:endParaRPr lang="en-PH" sz="4400" dirty="0">
+              <a:latin typeface="Arial" pitchFamily="34" charset="0"/>
+              <a:cs typeface="Arial" pitchFamily="34" charset="0"/>
+            </a:endParaRPr>
+          </a:p>
+        </p:txBody>
+      </p:sp>
+    </p:spTree>
+    <p:extLst>
+      <p:ext uri="{BB962C8B-B14F-4D97-AF65-F5344CB8AC3E}">
+        <p14:creationId xmlns:p14="http://schemas.microsoft.com/office/powerpoint/2010/main" val="1741040003"/>
+      </p:ext>
+    </p:extLst>
+  </p:cSld>
+  <p:clrMapOvr>
+    <a:masterClrMapping/>
+  </p:clrMapOvr>
+</p:sld>
+</file>
+
+<file path=ppt/slides/slide17.xml><?xml version="1.0" encoding="utf-8"?>
+<p:sld xmlns:a="http://schemas.openxmlformats.org/drawingml/2006/main" xmlns:r="http://schemas.openxmlformats.org/officeDocument/2006/relationships" xmlns:p="http://schemas.openxmlformats.org/presentationml/2006/main">
+  <p:cSld>
+    <p:spTree>
+      <p:nvGrpSpPr>
+        <p:cNvPr id="1" name=""/>
+        <p:cNvGrpSpPr/>
+        <p:nvPr/>
+      </p:nvGrpSpPr>
+      <p:grpSpPr>
+        <a:xfrm>
+          <a:off x="0" y="0"/>
+          <a:ext cx="0" cy="0"/>
+          <a:chOff x="0" y="0"/>
+          <a:chExt cx="0" cy="0"/>
+        </a:xfrm>
+      </p:grpSpPr>
+      <p:sp>
+        <p:nvSpPr>
+          <p:cNvPr id="4" name="TextBox 3"/>
+          <p:cNvSpPr txBox="1"/>
+          <p:nvPr/>
+        </p:nvSpPr>
+        <p:spPr>
+          <a:xfrm>
+            <a:off x="743093" y="1185878"/>
+            <a:ext cx="10558668" cy="3170099"/>
+          </a:xfrm>
+          <a:prstGeom prst="rect">
+            <a:avLst/>
+          </a:prstGeom>
+          <a:noFill/>
+        </p:spPr>
+        <p:txBody>
+          <a:bodyPr wrap="square" rtlCol="0">
+            <a:spAutoFit/>
+          </a:bodyPr>
+          <a:lstStyle/>
+          <a:p>
+            <a:r>
+              <a:rPr lang="en-US" sz="4400" b="1" dirty="0"/>
+              <a:t>Expanding Window</a:t>
+            </a:r>
+          </a:p>
+          <a:p>
+            <a:endParaRPr lang="en-US" sz="2400" b="1" dirty="0"/>
+          </a:p>
+          <a:p>
+            <a:r>
+              <a:rPr lang="en-US" sz="4400" dirty="0"/>
+              <a:t>It accumulates all available data from the beginning (or from an initial index) up to the current point.</a:t>
+            </a:r>
+            <a:endParaRPr lang="en-PH" sz="4400" dirty="0">
+              <a:latin typeface="Arial" pitchFamily="34" charset="0"/>
+              <a:cs typeface="Arial" pitchFamily="34" charset="0"/>
+            </a:endParaRPr>
+          </a:p>
+        </p:txBody>
+      </p:sp>
+    </p:spTree>
+    <p:extLst>
+      <p:ext uri="{BB962C8B-B14F-4D97-AF65-F5344CB8AC3E}">
+        <p14:creationId xmlns:p14="http://schemas.microsoft.com/office/powerpoint/2010/main" val="1075103379"/>
+      </p:ext>
+    </p:extLst>
+  </p:cSld>
+  <p:clrMapOvr>
+    <a:masterClrMapping/>
+  </p:clrMapOvr>
+</p:sld>
+</file>
+
+<file path=ppt/slides/slide18.xml><?xml version="1.0" encoding="utf-8"?>
+<p:sld xmlns:a="http://schemas.openxmlformats.org/drawingml/2006/main" xmlns:r="http://schemas.openxmlformats.org/officeDocument/2006/relationships" xmlns:p="http://schemas.openxmlformats.org/presentationml/2006/main">
+  <p:cSld>
+    <p:spTree>
+      <p:nvGrpSpPr>
         <p:cNvPr id="1" name=""/>
         <p:cNvGrpSpPr/>
         <p:nvPr/>
@@ -4347,7 +6684,7 @@
 </p:sld>
 </file>
 
-<file path=ppt/slides/slide11.xml><?xml version="1.0" encoding="utf-8"?>
+<file path=ppt/slides/slide19.xml><?xml version="1.0" encoding="utf-8"?>
 <p:sld xmlns:a="http://schemas.openxmlformats.org/drawingml/2006/main" xmlns:r="http://schemas.openxmlformats.org/officeDocument/2006/relationships" xmlns:p="http://schemas.openxmlformats.org/presentationml/2006/main">
   <p:cSld>
     <p:spTree>
@@ -4702,153 +7039,6 @@
 </p:sld>
 </file>
 
-<file path=ppt/slides/slide12.xml><?xml version="1.0" encoding="utf-8"?>
-<p:sld xmlns:a="http://schemas.openxmlformats.org/drawingml/2006/main" xmlns:r="http://schemas.openxmlformats.org/officeDocument/2006/relationships" xmlns:p="http://schemas.openxmlformats.org/presentationml/2006/main">
-  <p:cSld>
-    <p:spTree>
-      <p:nvGrpSpPr>
-        <p:cNvPr id="1" name=""/>
-        <p:cNvGrpSpPr/>
-        <p:nvPr/>
-      </p:nvGrpSpPr>
-      <p:grpSpPr>
-        <a:xfrm>
-          <a:off x="0" y="0"/>
-          <a:ext cx="0" cy="0"/>
-          <a:chOff x="0" y="0"/>
-          <a:chExt cx="0" cy="0"/>
-        </a:xfrm>
-      </p:grpSpPr>
-      <p:sp>
-        <p:nvSpPr>
-          <p:cNvPr id="6" name="TextBox 5"/>
-          <p:cNvSpPr txBox="1"/>
-          <p:nvPr/>
-        </p:nvSpPr>
-        <p:spPr>
-          <a:xfrm>
-            <a:off x="721364" y="2562078"/>
-            <a:ext cx="10749281" cy="830997"/>
-          </a:xfrm>
-          <a:prstGeom prst="rect">
-            <a:avLst/>
-          </a:prstGeom>
-          <a:noFill/>
-        </p:spPr>
-        <p:txBody>
-          <a:bodyPr wrap="square" rtlCol="0">
-            <a:spAutoFit/>
-          </a:bodyPr>
-          <a:lstStyle/>
-          <a:p>
-            <a:pPr algn="ctr"/>
-            <a:r>
-              <a:rPr lang="en-US" sz="4800" b="1" dirty="0">
-                <a:latin typeface="Arial" pitchFamily="34" charset="0"/>
-                <a:cs typeface="Arial" pitchFamily="34" charset="0"/>
-              </a:rPr>
-              <a:t>[Code Demo]</a:t>
-            </a:r>
-            <a:endParaRPr lang="en-US" sz="3200" b="1" dirty="0">
-              <a:solidFill>
-                <a:schemeClr val="accent2"/>
-              </a:solidFill>
-              <a:latin typeface="Arial" pitchFamily="34" charset="0"/>
-              <a:cs typeface="Arial" pitchFamily="34" charset="0"/>
-            </a:endParaRPr>
-          </a:p>
-        </p:txBody>
-      </p:sp>
-    </p:spTree>
-    <p:extLst>
-      <p:ext uri="{BB962C8B-B14F-4D97-AF65-F5344CB8AC3E}">
-        <p14:creationId xmlns:p14="http://schemas.microsoft.com/office/powerpoint/2010/main" val="2027620693"/>
-      </p:ext>
-    </p:extLst>
-  </p:cSld>
-  <p:clrMapOvr>
-    <a:masterClrMapping/>
-  </p:clrMapOvr>
-</p:sld>
-</file>
-
-<file path=ppt/slides/slide13.xml><?xml version="1.0" encoding="utf-8"?>
-<p:sld xmlns:a="http://schemas.openxmlformats.org/drawingml/2006/main" xmlns:r="http://schemas.openxmlformats.org/officeDocument/2006/relationships" xmlns:p="http://schemas.openxmlformats.org/presentationml/2006/main">
-  <p:cSld>
-    <p:spTree>
-      <p:nvGrpSpPr>
-        <p:cNvPr id="1" name=""/>
-        <p:cNvGrpSpPr/>
-        <p:nvPr/>
-      </p:nvGrpSpPr>
-      <p:grpSpPr>
-        <a:xfrm>
-          <a:off x="0" y="0"/>
-          <a:ext cx="0" cy="0"/>
-          <a:chOff x="0" y="0"/>
-          <a:chExt cx="0" cy="0"/>
-        </a:xfrm>
-      </p:grpSpPr>
-      <p:sp>
-        <p:nvSpPr>
-          <p:cNvPr id="6" name="TextBox 5"/>
-          <p:cNvSpPr txBox="1"/>
-          <p:nvPr/>
-        </p:nvSpPr>
-        <p:spPr>
-          <a:xfrm>
-            <a:off x="721364" y="2562078"/>
-            <a:ext cx="10749281" cy="830997"/>
-          </a:xfrm>
-          <a:prstGeom prst="rect">
-            <a:avLst/>
-          </a:prstGeom>
-          <a:noFill/>
-        </p:spPr>
-        <p:txBody>
-          <a:bodyPr wrap="square" rtlCol="0">
-            <a:spAutoFit/>
-          </a:bodyPr>
-          <a:lstStyle/>
-          <a:p>
-            <a:pPr algn="ctr"/>
-            <a:r>
-              <a:rPr lang="en-US" sz="4800" b="1" dirty="0">
-                <a:latin typeface="Arial" pitchFamily="34" charset="0"/>
-                <a:cs typeface="Arial" pitchFamily="34" charset="0"/>
-              </a:rPr>
-              <a:t>Thank you very much for listening</a:t>
-            </a:r>
-            <a:r>
-              <a:rPr lang="en-US" sz="3200" b="1" dirty="0">
-                <a:latin typeface="Arial" pitchFamily="34" charset="0"/>
-                <a:cs typeface="Arial" pitchFamily="34" charset="0"/>
-              </a:rPr>
-              <a:t>.</a:t>
-            </a:r>
-            <a:endParaRPr lang="en-US" sz="3200" b="1" dirty="0">
-              <a:solidFill>
-                <a:schemeClr val="accent2"/>
-              </a:solidFill>
-              <a:latin typeface="Arial" pitchFamily="34" charset="0"/>
-              <a:cs typeface="Arial" pitchFamily="34" charset="0"/>
-            </a:endParaRPr>
-          </a:p>
-        </p:txBody>
-      </p:sp>
-    </p:spTree>
-    <p:extLst>
-      <p:ext uri="{BB962C8B-B14F-4D97-AF65-F5344CB8AC3E}">
-        <p14:creationId xmlns:p14="http://schemas.microsoft.com/office/powerpoint/2010/main" val="1328378833"/>
-      </p:ext>
-    </p:extLst>
-  </p:cSld>
-  <p:clrMapOvr>
-    <a:masterClrMapping/>
-  </p:clrMapOvr>
-</p:sld>
-</file>
-
 <file path=ppt/slides/slide2.xml><?xml version="1.0" encoding="utf-8"?>
 <p:sld xmlns:a="http://schemas.openxmlformats.org/drawingml/2006/main" xmlns:r="http://schemas.openxmlformats.org/officeDocument/2006/relationships" xmlns:p="http://schemas.openxmlformats.org/presentationml/2006/main">
   <p:cSld>
@@ -4912,6 +7102,730 @@
     <p:extLst>
       <p:ext uri="{BB962C8B-B14F-4D97-AF65-F5344CB8AC3E}">
         <p14:creationId xmlns:p14="http://schemas.microsoft.com/office/powerpoint/2010/main" val="196065846"/>
+      </p:ext>
+    </p:extLst>
+  </p:cSld>
+  <p:clrMapOvr>
+    <a:masterClrMapping/>
+  </p:clrMapOvr>
+</p:sld>
+</file>
+
+<file path=ppt/slides/slide20.xml><?xml version="1.0" encoding="utf-8"?>
+<p:sld xmlns:a="http://schemas.openxmlformats.org/drawingml/2006/main" xmlns:r="http://schemas.openxmlformats.org/officeDocument/2006/relationships" xmlns:p="http://schemas.openxmlformats.org/presentationml/2006/main">
+  <p:cSld>
+    <p:spTree>
+      <p:nvGrpSpPr>
+        <p:cNvPr id="1" name=""/>
+        <p:cNvGrpSpPr/>
+        <p:nvPr/>
+      </p:nvGrpSpPr>
+      <p:grpSpPr>
+        <a:xfrm>
+          <a:off x="0" y="0"/>
+          <a:ext cx="0" cy="0"/>
+          <a:chOff x="0" y="0"/>
+          <a:chExt cx="0" cy="0"/>
+        </a:xfrm>
+      </p:grpSpPr>
+      <p:sp>
+        <p:nvSpPr>
+          <p:cNvPr id="6" name="TextBox 5"/>
+          <p:cNvSpPr txBox="1"/>
+          <p:nvPr/>
+        </p:nvSpPr>
+        <p:spPr>
+          <a:xfrm>
+            <a:off x="721364" y="2562078"/>
+            <a:ext cx="10749281" cy="830997"/>
+          </a:xfrm>
+          <a:prstGeom prst="rect">
+            <a:avLst/>
+          </a:prstGeom>
+          <a:noFill/>
+        </p:spPr>
+        <p:txBody>
+          <a:bodyPr wrap="square" rtlCol="0">
+            <a:spAutoFit/>
+          </a:bodyPr>
+          <a:lstStyle/>
+          <a:p>
+            <a:pPr algn="ctr"/>
+            <a:r>
+              <a:rPr lang="en-US" sz="4800" b="1" dirty="0">
+                <a:latin typeface="Arial" pitchFamily="34" charset="0"/>
+                <a:cs typeface="Arial" pitchFamily="34" charset="0"/>
+              </a:rPr>
+              <a:t>[Code Demo]</a:t>
+            </a:r>
+            <a:endParaRPr lang="en-US" sz="3200" b="1" dirty="0">
+              <a:solidFill>
+                <a:schemeClr val="accent2"/>
+              </a:solidFill>
+              <a:latin typeface="Arial" pitchFamily="34" charset="0"/>
+              <a:cs typeface="Arial" pitchFamily="34" charset="0"/>
+            </a:endParaRPr>
+          </a:p>
+        </p:txBody>
+      </p:sp>
+    </p:spTree>
+    <p:extLst>
+      <p:ext uri="{BB962C8B-B14F-4D97-AF65-F5344CB8AC3E}">
+        <p14:creationId xmlns:p14="http://schemas.microsoft.com/office/powerpoint/2010/main" val="2027620693"/>
+      </p:ext>
+    </p:extLst>
+  </p:cSld>
+  <p:clrMapOvr>
+    <a:masterClrMapping/>
+  </p:clrMapOvr>
+</p:sld>
+</file>
+
+<file path=ppt/slides/slide21.xml><?xml version="1.0" encoding="utf-8"?>
+<p:sld xmlns:a="http://schemas.openxmlformats.org/drawingml/2006/main" xmlns:r="http://schemas.openxmlformats.org/officeDocument/2006/relationships" xmlns:p="http://schemas.openxmlformats.org/presentationml/2006/main">
+  <p:cSld>
+    <p:spTree>
+      <p:nvGrpSpPr>
+        <p:cNvPr id="1" name="">
+          <a:extLst>
+            <a:ext uri="{FF2B5EF4-FFF2-40B4-BE49-F238E27FC236}">
+              <a16:creationId xmlns:a16="http://schemas.microsoft.com/office/drawing/2014/main" id="{54C8454C-35A0-9F31-4433-684B7551906F}"/>
+            </a:ext>
+          </a:extLst>
+        </p:cNvPr>
+        <p:cNvGrpSpPr/>
+        <p:nvPr/>
+      </p:nvGrpSpPr>
+      <p:grpSpPr>
+        <a:xfrm>
+          <a:off x="0" y="0"/>
+          <a:ext cx="0" cy="0"/>
+          <a:chOff x="0" y="0"/>
+          <a:chExt cx="0" cy="0"/>
+        </a:xfrm>
+      </p:grpSpPr>
+      <p:sp>
+        <p:nvSpPr>
+          <p:cNvPr id="5" name="TextBox 4">
+            <a:extLst>
+              <a:ext uri="{FF2B5EF4-FFF2-40B4-BE49-F238E27FC236}">
+                <a16:creationId xmlns:a16="http://schemas.microsoft.com/office/drawing/2014/main" id="{BD0EBAD2-2C70-A4ED-C950-7BA8706D2ACA}"/>
+              </a:ext>
+            </a:extLst>
+          </p:cNvPr>
+          <p:cNvSpPr txBox="1"/>
+          <p:nvPr/>
+        </p:nvSpPr>
+        <p:spPr>
+          <a:xfrm>
+            <a:off x="858915" y="1031993"/>
+            <a:ext cx="10282560" cy="1077218"/>
+          </a:xfrm>
+          <a:prstGeom prst="rect">
+            <a:avLst/>
+          </a:prstGeom>
+          <a:noFill/>
+        </p:spPr>
+        <p:txBody>
+          <a:bodyPr wrap="square" rtlCol="0">
+            <a:spAutoFit/>
+          </a:bodyPr>
+          <a:lstStyle/>
+          <a:p>
+            <a:r>
+              <a:rPr lang="en-US" sz="3200" b="1" dirty="0"/>
+              <a:t>05. Given the data: 2, 4, 6, what is the 2-window expanding average?</a:t>
+            </a:r>
+            <a:endParaRPr lang="en-PH" sz="3200" dirty="0"/>
+          </a:p>
+        </p:txBody>
+      </p:sp>
+      <p:graphicFrame>
+        <p:nvGraphicFramePr>
+          <p:cNvPr id="6" name="Table 5">
+            <a:extLst>
+              <a:ext uri="{FF2B5EF4-FFF2-40B4-BE49-F238E27FC236}">
+                <a16:creationId xmlns:a16="http://schemas.microsoft.com/office/drawing/2014/main" id="{FD8351C4-CA1B-231B-CB79-1D375FDCE72A}"/>
+              </a:ext>
+            </a:extLst>
+          </p:cNvPr>
+          <p:cNvGraphicFramePr>
+            <a:graphicFrameLocks noGrp="1"/>
+          </p:cNvGraphicFramePr>
+          <p:nvPr>
+            <p:extLst>
+              <p:ext uri="{D42A27DB-BD31-4B8C-83A1-F6EECF244321}">
+                <p14:modId xmlns:p14="http://schemas.microsoft.com/office/powerpoint/2010/main" val="3687071110"/>
+              </p:ext>
+            </p:extLst>
+          </p:nvPr>
+        </p:nvGraphicFramePr>
+        <p:xfrm>
+          <a:off x="932463" y="2897348"/>
+          <a:ext cx="10135464" cy="2153513"/>
+        </p:xfrm>
+        <a:graphic>
+          <a:graphicData uri="http://schemas.openxmlformats.org/drawingml/2006/table">
+            <a:tbl>
+              <a:tblPr firstRow="1" bandRow="1">
+                <a:tableStyleId>{5940675A-B579-460E-94D1-54222C63F5DA}</a:tableStyleId>
+              </a:tblPr>
+              <a:tblGrid>
+                <a:gridCol w="10135464">
+                  <a:extLst>
+                    <a:ext uri="{9D8B030D-6E8A-4147-A177-3AD203B41FA5}">
+                      <a16:colId xmlns:a16="http://schemas.microsoft.com/office/drawing/2014/main" val="347220614"/>
+                    </a:ext>
+                  </a:extLst>
+                </a:gridCol>
+              </a:tblGrid>
+              <a:tr h="391448">
+                <a:tc>
+                  <a:txBody>
+                    <a:bodyPr/>
+                    <a:lstStyle/>
+                    <a:p>
+                      <a:pPr marL="0" indent="0">
+                        <a:buNone/>
+                      </a:pPr>
+                      <a:r>
+                        <a:rPr lang="en-US" sz="2800" b="1" dirty="0"/>
+                        <a:t>A. </a:t>
+                      </a:r>
+                      <a:r>
+                        <a:rPr lang="en-US" sz="2800" b="0" dirty="0"/>
+                        <a:t>(3, 5)</a:t>
+                      </a:r>
+                      <a:endParaRPr lang="en-PH" sz="2800" b="1" dirty="0"/>
+                    </a:p>
+                  </a:txBody>
+                  <a:tcPr/>
+                </a:tc>
+                <a:extLst>
+                  <a:ext uri="{0D108BD9-81ED-4DB2-BD59-A6C34878D82A}">
+                    <a16:rowId xmlns:a16="http://schemas.microsoft.com/office/drawing/2014/main" val="3090890639"/>
+                  </a:ext>
+                </a:extLst>
+              </a:tr>
+              <a:tr h="599033">
+                <a:tc>
+                  <a:txBody>
+                    <a:bodyPr/>
+                    <a:lstStyle/>
+                    <a:p>
+                      <a:r>
+                        <a:rPr lang="en-US" sz="2800" b="1" dirty="0"/>
+                        <a:t>B</a:t>
+                      </a:r>
+                      <a:r>
+                        <a:rPr lang="en-US" sz="2800" dirty="0"/>
+                        <a:t>. (4, 5)</a:t>
+                      </a:r>
+                    </a:p>
+                  </a:txBody>
+                  <a:tcPr/>
+                </a:tc>
+                <a:extLst>
+                  <a:ext uri="{0D108BD9-81ED-4DB2-BD59-A6C34878D82A}">
+                    <a16:rowId xmlns:a16="http://schemas.microsoft.com/office/drawing/2014/main" val="2340900590"/>
+                  </a:ext>
+                </a:extLst>
+              </a:tr>
+              <a:tr h="508725">
+                <a:tc>
+                  <a:txBody>
+                    <a:bodyPr/>
+                    <a:lstStyle/>
+                    <a:p>
+                      <a:r>
+                        <a:rPr lang="en-US" sz="2800" b="1" dirty="0"/>
+                        <a:t>C</a:t>
+                      </a:r>
+                      <a:r>
+                        <a:rPr lang="en-US" sz="2800" dirty="0"/>
+                        <a:t>. (2, 4)</a:t>
+                      </a:r>
+                      <a:endParaRPr lang="en-PH" sz="2800" dirty="0"/>
+                    </a:p>
+                  </a:txBody>
+                  <a:tcPr/>
+                </a:tc>
+                <a:extLst>
+                  <a:ext uri="{0D108BD9-81ED-4DB2-BD59-A6C34878D82A}">
+                    <a16:rowId xmlns:a16="http://schemas.microsoft.com/office/drawing/2014/main" val="3017780003"/>
+                  </a:ext>
+                </a:extLst>
+              </a:tr>
+              <a:tr h="508725">
+                <a:tc>
+                  <a:txBody>
+                    <a:bodyPr/>
+                    <a:lstStyle/>
+                    <a:p>
+                      <a:pPr marL="0" marR="0" lvl="0" indent="0" algn="l" defTabSz="914400" rtl="0" eaLnBrk="1" fontAlgn="auto" latinLnBrk="0" hangingPunct="1">
+                        <a:lnSpc>
+                          <a:spcPct val="100000"/>
+                        </a:lnSpc>
+                        <a:spcBef>
+                          <a:spcPts val="0"/>
+                        </a:spcBef>
+                        <a:spcAft>
+                          <a:spcPts val="0"/>
+                        </a:spcAft>
+                        <a:buClrTx/>
+                        <a:buSzTx/>
+                        <a:buFontTx/>
+                        <a:buNone/>
+                        <a:tabLst/>
+                        <a:defRPr/>
+                      </a:pPr>
+                      <a:r>
+                        <a:rPr lang="en-US" sz="2800" b="1" kern="1200" dirty="0">
+                          <a:solidFill>
+                            <a:schemeClr val="tx1"/>
+                          </a:solidFill>
+                          <a:latin typeface="+mn-lt"/>
+                          <a:ea typeface="+mn-ea"/>
+                          <a:cs typeface="+mn-cs"/>
+                        </a:rPr>
+                        <a:t>D</a:t>
+                      </a:r>
+                      <a:r>
+                        <a:rPr lang="en-US" sz="2800" kern="1200" dirty="0">
+                          <a:solidFill>
+                            <a:schemeClr val="tx1"/>
+                          </a:solidFill>
+                          <a:latin typeface="+mn-lt"/>
+                          <a:ea typeface="+mn-ea"/>
+                          <a:cs typeface="+mn-cs"/>
+                        </a:rPr>
+                        <a:t>. (3, 4)</a:t>
+                      </a:r>
+                      <a:endParaRPr lang="en-PH" sz="2800" kern="1200" dirty="0">
+                        <a:solidFill>
+                          <a:schemeClr val="tx1"/>
+                        </a:solidFill>
+                        <a:latin typeface="+mn-lt"/>
+                        <a:ea typeface="+mn-ea"/>
+                        <a:cs typeface="+mn-cs"/>
+                      </a:endParaRPr>
+                    </a:p>
+                  </a:txBody>
+                  <a:tcPr>
+                    <a:solidFill>
+                      <a:schemeClr val="bg1"/>
+                    </a:solidFill>
+                  </a:tcPr>
+                </a:tc>
+                <a:extLst>
+                  <a:ext uri="{0D108BD9-81ED-4DB2-BD59-A6C34878D82A}">
+                    <a16:rowId xmlns:a16="http://schemas.microsoft.com/office/drawing/2014/main" val="716630035"/>
+                  </a:ext>
+                </a:extLst>
+              </a:tr>
+            </a:tbl>
+          </a:graphicData>
+        </a:graphic>
+      </p:graphicFrame>
+    </p:spTree>
+    <p:extLst>
+      <p:ext uri="{BB962C8B-B14F-4D97-AF65-F5344CB8AC3E}">
+        <p14:creationId xmlns:p14="http://schemas.microsoft.com/office/powerpoint/2010/main" val="1068131372"/>
+      </p:ext>
+    </p:extLst>
+  </p:cSld>
+  <p:clrMapOvr>
+    <a:masterClrMapping/>
+  </p:clrMapOvr>
+</p:sld>
+</file>
+
+<file path=ppt/slides/slide22.xml><?xml version="1.0" encoding="utf-8"?>
+<p:sld xmlns:a="http://schemas.openxmlformats.org/drawingml/2006/main" xmlns:r="http://schemas.openxmlformats.org/officeDocument/2006/relationships" xmlns:p="http://schemas.openxmlformats.org/presentationml/2006/main">
+  <p:cSld>
+    <p:spTree>
+      <p:nvGrpSpPr>
+        <p:cNvPr id="1" name="">
+          <a:extLst>
+            <a:ext uri="{FF2B5EF4-FFF2-40B4-BE49-F238E27FC236}">
+              <a16:creationId xmlns:a16="http://schemas.microsoft.com/office/drawing/2014/main" id="{C305C46C-C2E4-B663-0C26-D0451320ADB2}"/>
+            </a:ext>
+          </a:extLst>
+        </p:cNvPr>
+        <p:cNvGrpSpPr/>
+        <p:nvPr/>
+      </p:nvGrpSpPr>
+      <p:grpSpPr>
+        <a:xfrm>
+          <a:off x="0" y="0"/>
+          <a:ext cx="0" cy="0"/>
+          <a:chOff x="0" y="0"/>
+          <a:chExt cx="0" cy="0"/>
+        </a:xfrm>
+      </p:grpSpPr>
+      <p:sp>
+        <p:nvSpPr>
+          <p:cNvPr id="5" name="TextBox 4">
+            <a:extLst>
+              <a:ext uri="{FF2B5EF4-FFF2-40B4-BE49-F238E27FC236}">
+                <a16:creationId xmlns:a16="http://schemas.microsoft.com/office/drawing/2014/main" id="{411F1DAD-26C4-AE75-8747-E93FA06F5EDA}"/>
+              </a:ext>
+            </a:extLst>
+          </p:cNvPr>
+          <p:cNvSpPr txBox="1"/>
+          <p:nvPr/>
+        </p:nvSpPr>
+        <p:spPr>
+          <a:xfrm>
+            <a:off x="858915" y="1031993"/>
+            <a:ext cx="10282560" cy="1077218"/>
+          </a:xfrm>
+          <a:prstGeom prst="rect">
+            <a:avLst/>
+          </a:prstGeom>
+          <a:noFill/>
+        </p:spPr>
+        <p:txBody>
+          <a:bodyPr wrap="square" rtlCol="0">
+            <a:spAutoFit/>
+          </a:bodyPr>
+          <a:lstStyle/>
+          <a:p>
+            <a:r>
+              <a:rPr lang="en-US" sz="3200" b="1" dirty="0"/>
+              <a:t>05. Given the data: 2, 4, 6, what is the 2-window expanding average?</a:t>
+            </a:r>
+            <a:endParaRPr lang="en-PH" sz="3200" dirty="0"/>
+          </a:p>
+        </p:txBody>
+      </p:sp>
+      <p:graphicFrame>
+        <p:nvGraphicFramePr>
+          <p:cNvPr id="6" name="Table 5">
+            <a:extLst>
+              <a:ext uri="{FF2B5EF4-FFF2-40B4-BE49-F238E27FC236}">
+                <a16:creationId xmlns:a16="http://schemas.microsoft.com/office/drawing/2014/main" id="{4C57EEC7-1948-7DC8-8AF7-F9AE549BED1E}"/>
+              </a:ext>
+            </a:extLst>
+          </p:cNvPr>
+          <p:cNvGraphicFramePr>
+            <a:graphicFrameLocks noGrp="1"/>
+          </p:cNvGraphicFramePr>
+          <p:nvPr>
+            <p:extLst>
+              <p:ext uri="{D42A27DB-BD31-4B8C-83A1-F6EECF244321}">
+                <p14:modId xmlns:p14="http://schemas.microsoft.com/office/powerpoint/2010/main" val="2378695735"/>
+              </p:ext>
+            </p:extLst>
+          </p:nvPr>
+        </p:nvGraphicFramePr>
+        <p:xfrm>
+          <a:off x="932463" y="2391655"/>
+          <a:ext cx="10135464" cy="2153513"/>
+        </p:xfrm>
+        <a:graphic>
+          <a:graphicData uri="http://schemas.openxmlformats.org/drawingml/2006/table">
+            <a:tbl>
+              <a:tblPr firstRow="1" bandRow="1">
+                <a:tableStyleId>{5940675A-B579-460E-94D1-54222C63F5DA}</a:tableStyleId>
+              </a:tblPr>
+              <a:tblGrid>
+                <a:gridCol w="10135464">
+                  <a:extLst>
+                    <a:ext uri="{9D8B030D-6E8A-4147-A177-3AD203B41FA5}">
+                      <a16:colId xmlns:a16="http://schemas.microsoft.com/office/drawing/2014/main" val="347220614"/>
+                    </a:ext>
+                  </a:extLst>
+                </a:gridCol>
+              </a:tblGrid>
+              <a:tr h="391448">
+                <a:tc>
+                  <a:txBody>
+                    <a:bodyPr/>
+                    <a:lstStyle/>
+                    <a:p>
+                      <a:pPr marL="0" indent="0">
+                        <a:buNone/>
+                      </a:pPr>
+                      <a:r>
+                        <a:rPr lang="en-US" sz="2800" b="1" dirty="0"/>
+                        <a:t>A. </a:t>
+                      </a:r>
+                      <a:r>
+                        <a:rPr lang="en-US" sz="2800" b="0" dirty="0"/>
+                        <a:t>(3, 5)</a:t>
+                      </a:r>
+                      <a:endParaRPr lang="en-PH" sz="2800" b="1" dirty="0"/>
+                    </a:p>
+                  </a:txBody>
+                  <a:tcPr/>
+                </a:tc>
+                <a:extLst>
+                  <a:ext uri="{0D108BD9-81ED-4DB2-BD59-A6C34878D82A}">
+                    <a16:rowId xmlns:a16="http://schemas.microsoft.com/office/drawing/2014/main" val="3090890639"/>
+                  </a:ext>
+                </a:extLst>
+              </a:tr>
+              <a:tr h="599033">
+                <a:tc>
+                  <a:txBody>
+                    <a:bodyPr/>
+                    <a:lstStyle/>
+                    <a:p>
+                      <a:r>
+                        <a:rPr lang="en-US" sz="2800" b="1" dirty="0"/>
+                        <a:t>B</a:t>
+                      </a:r>
+                      <a:r>
+                        <a:rPr lang="en-US" sz="2800" dirty="0"/>
+                        <a:t>. (4, 5)</a:t>
+                      </a:r>
+                    </a:p>
+                  </a:txBody>
+                  <a:tcPr/>
+                </a:tc>
+                <a:extLst>
+                  <a:ext uri="{0D108BD9-81ED-4DB2-BD59-A6C34878D82A}">
+                    <a16:rowId xmlns:a16="http://schemas.microsoft.com/office/drawing/2014/main" val="2340900590"/>
+                  </a:ext>
+                </a:extLst>
+              </a:tr>
+              <a:tr h="508725">
+                <a:tc>
+                  <a:txBody>
+                    <a:bodyPr/>
+                    <a:lstStyle/>
+                    <a:p>
+                      <a:r>
+                        <a:rPr lang="en-US" sz="2800" b="1" dirty="0"/>
+                        <a:t>C</a:t>
+                      </a:r>
+                      <a:r>
+                        <a:rPr lang="en-US" sz="2800" dirty="0"/>
+                        <a:t>. (2, 4)</a:t>
+                      </a:r>
+                      <a:endParaRPr lang="en-PH" sz="2800" dirty="0"/>
+                    </a:p>
+                  </a:txBody>
+                  <a:tcPr/>
+                </a:tc>
+                <a:extLst>
+                  <a:ext uri="{0D108BD9-81ED-4DB2-BD59-A6C34878D82A}">
+                    <a16:rowId xmlns:a16="http://schemas.microsoft.com/office/drawing/2014/main" val="3017780003"/>
+                  </a:ext>
+                </a:extLst>
+              </a:tr>
+              <a:tr h="508725">
+                <a:tc>
+                  <a:txBody>
+                    <a:bodyPr/>
+                    <a:lstStyle/>
+                    <a:p>
+                      <a:pPr marL="0" marR="0" lvl="0" indent="0" algn="l" defTabSz="914400" rtl="0" eaLnBrk="1" fontAlgn="auto" latinLnBrk="0" hangingPunct="1">
+                        <a:lnSpc>
+                          <a:spcPct val="100000"/>
+                        </a:lnSpc>
+                        <a:spcBef>
+                          <a:spcPts val="0"/>
+                        </a:spcBef>
+                        <a:spcAft>
+                          <a:spcPts val="0"/>
+                        </a:spcAft>
+                        <a:buClrTx/>
+                        <a:buSzTx/>
+                        <a:buFontTx/>
+                        <a:buNone/>
+                        <a:tabLst/>
+                        <a:defRPr/>
+                      </a:pPr>
+                      <a:r>
+                        <a:rPr lang="en-US" sz="2800" b="1" kern="1200" dirty="0">
+                          <a:solidFill>
+                            <a:schemeClr val="tx1"/>
+                          </a:solidFill>
+                          <a:latin typeface="+mn-lt"/>
+                          <a:ea typeface="+mn-ea"/>
+                          <a:cs typeface="+mn-cs"/>
+                        </a:rPr>
+                        <a:t>D</a:t>
+                      </a:r>
+                      <a:r>
+                        <a:rPr lang="en-US" sz="2800" kern="1200" dirty="0">
+                          <a:solidFill>
+                            <a:schemeClr val="tx1"/>
+                          </a:solidFill>
+                          <a:latin typeface="+mn-lt"/>
+                          <a:ea typeface="+mn-ea"/>
+                          <a:cs typeface="+mn-cs"/>
+                        </a:rPr>
+                        <a:t>. (3, 4)</a:t>
+                      </a:r>
+                      <a:endParaRPr lang="en-PH" sz="2800" kern="1200" dirty="0">
+                        <a:solidFill>
+                          <a:schemeClr val="tx1"/>
+                        </a:solidFill>
+                        <a:latin typeface="+mn-lt"/>
+                        <a:ea typeface="+mn-ea"/>
+                        <a:cs typeface="+mn-cs"/>
+                      </a:endParaRPr>
+                    </a:p>
+                  </a:txBody>
+                  <a:tcPr>
+                    <a:solidFill>
+                      <a:srgbClr val="FFFF00"/>
+                    </a:solidFill>
+                  </a:tcPr>
+                </a:tc>
+                <a:extLst>
+                  <a:ext uri="{0D108BD9-81ED-4DB2-BD59-A6C34878D82A}">
+                    <a16:rowId xmlns:a16="http://schemas.microsoft.com/office/drawing/2014/main" val="716630035"/>
+                  </a:ext>
+                </a:extLst>
+              </a:tr>
+            </a:tbl>
+          </a:graphicData>
+        </a:graphic>
+      </p:graphicFrame>
+      <p:sp>
+        <p:nvSpPr>
+          <p:cNvPr id="2" name="TextBox 1">
+            <a:extLst>
+              <a:ext uri="{FF2B5EF4-FFF2-40B4-BE49-F238E27FC236}">
+                <a16:creationId xmlns:a16="http://schemas.microsoft.com/office/drawing/2014/main" id="{41DE6244-DD77-11CA-9238-CECF4978F506}"/>
+              </a:ext>
+            </a:extLst>
+          </p:cNvPr>
+          <p:cNvSpPr txBox="1"/>
+          <p:nvPr/>
+        </p:nvSpPr>
+        <p:spPr>
+          <a:xfrm>
+            <a:off x="932463" y="4810344"/>
+            <a:ext cx="10282560" cy="1015663"/>
+          </a:xfrm>
+          <a:prstGeom prst="rect">
+            <a:avLst/>
+          </a:prstGeom>
+          <a:noFill/>
+        </p:spPr>
+        <p:txBody>
+          <a:bodyPr wrap="square" rtlCol="0">
+            <a:spAutoFit/>
+          </a:bodyPr>
+          <a:lstStyle/>
+          <a:p>
+            <a:r>
+              <a:rPr lang="en-PH" sz="2000" b="1" dirty="0">
+                <a:latin typeface="+mj-lt"/>
+              </a:rPr>
+              <a:t>Quick computation:</a:t>
+            </a:r>
+            <a:endParaRPr lang="en-PH" sz="2000" dirty="0">
+              <a:latin typeface="+mj-lt"/>
+            </a:endParaRPr>
+          </a:p>
+          <a:p>
+            <a:r>
+              <a:rPr lang="en-US" sz="2000" dirty="0">
+                <a:latin typeface="+mj-lt"/>
+              </a:rPr>
+              <a:t>First expanding average: (2 + 4) / 2 = 6 / 2 = 3 (Average of first 2 values)</a:t>
+            </a:r>
+          </a:p>
+          <a:p>
+            <a:r>
+              <a:rPr lang="en-US" sz="2000" dirty="0">
+                <a:latin typeface="+mj-lt"/>
+              </a:rPr>
+              <a:t>Next expanding average: (2 + 4 + 6) / 3 = 12 / 3 = 4 (Average of first 3 values)</a:t>
+            </a:r>
+            <a:endParaRPr lang="ar-AE" sz="2000" dirty="0">
+              <a:latin typeface="+mj-lt"/>
+            </a:endParaRPr>
+          </a:p>
+        </p:txBody>
+      </p:sp>
+    </p:spTree>
+    <p:extLst>
+      <p:ext uri="{BB962C8B-B14F-4D97-AF65-F5344CB8AC3E}">
+        <p14:creationId xmlns:p14="http://schemas.microsoft.com/office/powerpoint/2010/main" val="2488760169"/>
+      </p:ext>
+    </p:extLst>
+  </p:cSld>
+  <p:clrMapOvr>
+    <a:masterClrMapping/>
+  </p:clrMapOvr>
+</p:sld>
+</file>
+
+<file path=ppt/slides/slide23.xml><?xml version="1.0" encoding="utf-8"?>
+<p:sld xmlns:a="http://schemas.openxmlformats.org/drawingml/2006/main" xmlns:r="http://schemas.openxmlformats.org/officeDocument/2006/relationships" xmlns:p="http://schemas.openxmlformats.org/presentationml/2006/main">
+  <p:cSld>
+    <p:spTree>
+      <p:nvGrpSpPr>
+        <p:cNvPr id="1" name=""/>
+        <p:cNvGrpSpPr/>
+        <p:nvPr/>
+      </p:nvGrpSpPr>
+      <p:grpSpPr>
+        <a:xfrm>
+          <a:off x="0" y="0"/>
+          <a:ext cx="0" cy="0"/>
+          <a:chOff x="0" y="0"/>
+          <a:chExt cx="0" cy="0"/>
+        </a:xfrm>
+      </p:grpSpPr>
+      <p:sp>
+        <p:nvSpPr>
+          <p:cNvPr id="6" name="TextBox 5"/>
+          <p:cNvSpPr txBox="1"/>
+          <p:nvPr/>
+        </p:nvSpPr>
+        <p:spPr>
+          <a:xfrm>
+            <a:off x="721364" y="2562078"/>
+            <a:ext cx="10749281" cy="830997"/>
+          </a:xfrm>
+          <a:prstGeom prst="rect">
+            <a:avLst/>
+          </a:prstGeom>
+          <a:noFill/>
+        </p:spPr>
+        <p:txBody>
+          <a:bodyPr wrap="square" rtlCol="0">
+            <a:spAutoFit/>
+          </a:bodyPr>
+          <a:lstStyle/>
+          <a:p>
+            <a:pPr algn="ctr"/>
+            <a:r>
+              <a:rPr lang="en-US" sz="4800" b="1" dirty="0">
+                <a:latin typeface="Arial" pitchFamily="34" charset="0"/>
+                <a:cs typeface="Arial" pitchFamily="34" charset="0"/>
+              </a:rPr>
+              <a:t>Thank you very much for listening</a:t>
+            </a:r>
+            <a:r>
+              <a:rPr lang="en-US" sz="3200" b="1" dirty="0">
+                <a:latin typeface="Arial" pitchFamily="34" charset="0"/>
+                <a:cs typeface="Arial" pitchFamily="34" charset="0"/>
+              </a:rPr>
+              <a:t>.</a:t>
+            </a:r>
+            <a:endParaRPr lang="en-US" sz="3200" b="1" dirty="0">
+              <a:solidFill>
+                <a:schemeClr val="accent2"/>
+              </a:solidFill>
+              <a:latin typeface="Arial" pitchFamily="34" charset="0"/>
+              <a:cs typeface="Arial" pitchFamily="34" charset="0"/>
+            </a:endParaRPr>
+          </a:p>
+        </p:txBody>
+      </p:sp>
+    </p:spTree>
+    <p:extLst>
+      <p:ext uri="{BB962C8B-B14F-4D97-AF65-F5344CB8AC3E}">
+        <p14:creationId xmlns:p14="http://schemas.microsoft.com/office/powerpoint/2010/main" val="1328378833"/>
       </p:ext>
     </p:extLst>
   </p:cSld>
@@ -5404,7 +8318,13 @@
                               <a:rPr lang="en-US" sz="2800" b="0" i="1" smtClean="0">
                                 <a:latin typeface="Cambria Math" panose="02040503050406030204" pitchFamily="18" charset="0"/>
                               </a:rPr>
-                              <m:t>2 … </m:t>
+                              <m:t>2</m:t>
+                            </m:r>
+                            <m:r>
+                              <a:rPr lang="en-US" sz="2800" b="0" i="1" smtClean="0">
+                                <a:latin typeface="Cambria Math" panose="02040503050406030204" pitchFamily="18" charset="0"/>
+                              </a:rPr>
+                              <m:t> … </m:t>
                             </m:r>
                           </m:sub>
                         </m:sSub>
@@ -5924,14 +8844,49 @@
       </p:grpSpPr>
       <p:sp>
         <p:nvSpPr>
-          <p:cNvPr id="4" name="TextBox 3"/>
+          <p:cNvPr id="4" name="Slide Number Placeholder 3">
+            <a:extLst>
+              <a:ext uri="{FF2B5EF4-FFF2-40B4-BE49-F238E27FC236}">
+                <a16:creationId xmlns:a16="http://schemas.microsoft.com/office/drawing/2014/main" id="{E32AA809-2A4D-8927-9EDB-A1A14B04AECE}"/>
+              </a:ext>
+            </a:extLst>
+          </p:cNvPr>
+          <p:cNvSpPr>
+            <a:spLocks noGrp="1"/>
+          </p:cNvSpPr>
+          <p:nvPr>
+            <p:ph type="sldNum" sz="quarter" idx="12"/>
+          </p:nvPr>
+        </p:nvSpPr>
+        <p:spPr/>
+        <p:txBody>
+          <a:bodyPr/>
+          <a:lstStyle/>
+          <a:p>
+            <a:fld id="{52DC67D9-7476-42EA-B107-119E1B18B658}" type="slidenum">
+              <a:rPr lang="en-US" smtClean="0"/>
+              <a:t>8</a:t>
+            </a:fld>
+            <a:endParaRPr lang="en-US" dirty="0"/>
+          </a:p>
+        </p:txBody>
+      </p:sp>
+      <p:sp>
+        <p:nvSpPr>
+          <p:cNvPr id="5" name="TextBox 4">
+            <a:extLst>
+              <a:ext uri="{FF2B5EF4-FFF2-40B4-BE49-F238E27FC236}">
+                <a16:creationId xmlns:a16="http://schemas.microsoft.com/office/drawing/2014/main" id="{331B5BA4-A81F-D114-FC41-427E1A232459}"/>
+              </a:ext>
+            </a:extLst>
+          </p:cNvPr>
           <p:cNvSpPr txBox="1"/>
           <p:nvPr/>
         </p:nvSpPr>
         <p:spPr>
           <a:xfrm>
-            <a:off x="743093" y="1185878"/>
-            <a:ext cx="10558668" cy="3847207"/>
+            <a:off x="858915" y="1031993"/>
+            <a:ext cx="10282560" cy="1077218"/>
           </a:xfrm>
           <a:prstGeom prst="rect">
             <a:avLst/>
@@ -5945,29 +8900,197 @@
           <a:lstStyle/>
           <a:p>
             <a:r>
-              <a:rPr lang="en-US" sz="4400" b="1" dirty="0"/>
-              <a:t>Expanding Window</a:t>
-            </a:r>
-          </a:p>
-          <a:p>
-            <a:endParaRPr lang="en-US" sz="2400" b="1" dirty="0"/>
-          </a:p>
-          <a:p>
-            <a:r>
-              <a:rPr lang="en-US" sz="4400" dirty="0"/>
-              <a:t>An expanding window in time series analysis progressively increasing the size of the window from the start of the series up to the current point in time</a:t>
-            </a:r>
-            <a:endParaRPr lang="en-PH" sz="4400" dirty="0">
-              <a:latin typeface="Arial" pitchFamily="34" charset="0"/>
-              <a:cs typeface="Arial" pitchFamily="34" charset="0"/>
-            </a:endParaRPr>
-          </a:p>
-        </p:txBody>
-      </p:sp>
+              <a:rPr lang="en-US" sz="3200" b="1" dirty="0"/>
+              <a:t>01. Given the data: 2, 4, 6. What is the 2-window moving average series?</a:t>
+            </a:r>
+            <a:endParaRPr lang="en-PH" sz="3200" dirty="0"/>
+          </a:p>
+        </p:txBody>
+      </p:sp>
+      <p:graphicFrame>
+        <p:nvGraphicFramePr>
+          <p:cNvPr id="6" name="Table 5">
+            <a:extLst>
+              <a:ext uri="{FF2B5EF4-FFF2-40B4-BE49-F238E27FC236}">
+                <a16:creationId xmlns:a16="http://schemas.microsoft.com/office/drawing/2014/main" id="{E149247D-33DA-4534-A0F3-69F66B081FA9}"/>
+              </a:ext>
+            </a:extLst>
+          </p:cNvPr>
+          <p:cNvGraphicFramePr>
+            <a:graphicFrameLocks noGrp="1"/>
+          </p:cNvGraphicFramePr>
+          <p:nvPr>
+            <p:extLst>
+              <p:ext uri="{D42A27DB-BD31-4B8C-83A1-F6EECF244321}">
+                <p14:modId xmlns:p14="http://schemas.microsoft.com/office/powerpoint/2010/main" val="2134701111"/>
+              </p:ext>
+            </p:extLst>
+          </p:nvPr>
+        </p:nvGraphicFramePr>
+        <p:xfrm>
+          <a:off x="932463" y="2308997"/>
+          <a:ext cx="10135464" cy="2153513"/>
+        </p:xfrm>
+        <a:graphic>
+          <a:graphicData uri="http://schemas.openxmlformats.org/drawingml/2006/table">
+            <a:tbl>
+              <a:tblPr firstRow="1" bandRow="1">
+                <a:tableStyleId>{5940675A-B579-460E-94D1-54222C63F5DA}</a:tableStyleId>
+              </a:tblPr>
+              <a:tblGrid>
+                <a:gridCol w="10135464">
+                  <a:extLst>
+                    <a:ext uri="{9D8B030D-6E8A-4147-A177-3AD203B41FA5}">
+                      <a16:colId xmlns:a16="http://schemas.microsoft.com/office/drawing/2014/main" val="347220614"/>
+                    </a:ext>
+                  </a:extLst>
+                </a:gridCol>
+              </a:tblGrid>
+              <a:tr h="417278">
+                <a:tc>
+                  <a:txBody>
+                    <a:bodyPr/>
+                    <a:lstStyle/>
+                    <a:p>
+                      <a:r>
+                        <a:rPr lang="en-US" sz="2800" b="1" dirty="0"/>
+                        <a:t>A</a:t>
+                      </a:r>
+                      <a:r>
+                        <a:rPr lang="en-US" sz="2800" dirty="0"/>
+                        <a:t>. (4, 6)</a:t>
+                      </a:r>
+                      <a:endParaRPr lang="en-PH" sz="2800" dirty="0"/>
+                    </a:p>
+                  </a:txBody>
+                  <a:tcPr/>
+                </a:tc>
+                <a:extLst>
+                  <a:ext uri="{0D108BD9-81ED-4DB2-BD59-A6C34878D82A}">
+                    <a16:rowId xmlns:a16="http://schemas.microsoft.com/office/drawing/2014/main" val="3090890639"/>
+                  </a:ext>
+                </a:extLst>
+              </a:tr>
+              <a:tr h="599033">
+                <a:tc>
+                  <a:txBody>
+                    <a:bodyPr/>
+                    <a:lstStyle/>
+                    <a:p>
+                      <a:r>
+                        <a:rPr lang="en-US" sz="2800" b="1" dirty="0"/>
+                        <a:t>B</a:t>
+                      </a:r>
+                      <a:r>
+                        <a:rPr lang="en-US" sz="2800" dirty="0"/>
+                        <a:t>. (3, 5)</a:t>
+                      </a:r>
+                    </a:p>
+                  </a:txBody>
+                  <a:tcPr/>
+                </a:tc>
+                <a:extLst>
+                  <a:ext uri="{0D108BD9-81ED-4DB2-BD59-A6C34878D82A}">
+                    <a16:rowId xmlns:a16="http://schemas.microsoft.com/office/drawing/2014/main" val="2340900590"/>
+                  </a:ext>
+                </a:extLst>
+              </a:tr>
+              <a:tr h="508725">
+                <a:tc>
+                  <a:txBody>
+                    <a:bodyPr/>
+                    <a:lstStyle/>
+                    <a:p>
+                      <a:r>
+                        <a:rPr lang="en-US" sz="2800" b="1" dirty="0"/>
+                        <a:t>C</a:t>
+                      </a:r>
+                      <a:r>
+                        <a:rPr lang="en-US" sz="2800" dirty="0"/>
+                        <a:t>. (2, 4)</a:t>
+                      </a:r>
+                      <a:endParaRPr lang="en-PH" sz="2800" dirty="0"/>
+                    </a:p>
+                  </a:txBody>
+                  <a:tcPr/>
+                </a:tc>
+                <a:extLst>
+                  <a:ext uri="{0D108BD9-81ED-4DB2-BD59-A6C34878D82A}">
+                    <a16:rowId xmlns:a16="http://schemas.microsoft.com/office/drawing/2014/main" val="3017780003"/>
+                  </a:ext>
+                </a:extLst>
+              </a:tr>
+              <a:tr h="508725">
+                <a:tc>
+                  <a:txBody>
+                    <a:bodyPr/>
+                    <a:lstStyle/>
+                    <a:p>
+                      <a:pPr marL="0" marR="0" lvl="0" indent="0" algn="l" defTabSz="914400" rtl="0" eaLnBrk="1" fontAlgn="auto" latinLnBrk="0" hangingPunct="1">
+                        <a:lnSpc>
+                          <a:spcPct val="100000"/>
+                        </a:lnSpc>
+                        <a:spcBef>
+                          <a:spcPts val="0"/>
+                        </a:spcBef>
+                        <a:spcAft>
+                          <a:spcPts val="0"/>
+                        </a:spcAft>
+                        <a:buClrTx/>
+                        <a:buSzTx/>
+                        <a:buFontTx/>
+                        <a:buNone/>
+                        <a:tabLst/>
+                        <a:defRPr/>
+                      </a:pPr>
+                      <a:r>
+                        <a:rPr lang="en-US" sz="2800" b="1" kern="1200" dirty="0">
+                          <a:solidFill>
+                            <a:schemeClr val="tx1"/>
+                          </a:solidFill>
+                          <a:latin typeface="+mn-lt"/>
+                          <a:ea typeface="+mn-ea"/>
+                          <a:cs typeface="+mn-cs"/>
+                        </a:rPr>
+                        <a:t>D</a:t>
+                      </a:r>
+                      <a:r>
+                        <a:rPr lang="en-US" sz="2800" kern="1200" dirty="0">
+                          <a:solidFill>
+                            <a:schemeClr val="tx1"/>
+                          </a:solidFill>
+                          <a:latin typeface="+mn-lt"/>
+                          <a:ea typeface="+mn-ea"/>
+                          <a:cs typeface="+mn-cs"/>
+                        </a:rPr>
+                        <a:t>. (3, 4)</a:t>
+                      </a:r>
+                      <a:endParaRPr lang="en-PH" sz="2800" kern="1200" dirty="0">
+                        <a:solidFill>
+                          <a:schemeClr val="tx1"/>
+                        </a:solidFill>
+                        <a:latin typeface="+mn-lt"/>
+                        <a:ea typeface="+mn-ea"/>
+                        <a:cs typeface="+mn-cs"/>
+                      </a:endParaRPr>
+                    </a:p>
+                  </a:txBody>
+                  <a:tcPr/>
+                </a:tc>
+                <a:extLst>
+                  <a:ext uri="{0D108BD9-81ED-4DB2-BD59-A6C34878D82A}">
+                    <a16:rowId xmlns:a16="http://schemas.microsoft.com/office/drawing/2014/main" val="716630035"/>
+                  </a:ext>
+                </a:extLst>
+              </a:tr>
+            </a:tbl>
+          </a:graphicData>
+        </a:graphic>
+      </p:graphicFrame>
     </p:spTree>
     <p:extLst>
       <p:ext uri="{BB962C8B-B14F-4D97-AF65-F5344CB8AC3E}">
-        <p14:creationId xmlns:p14="http://schemas.microsoft.com/office/powerpoint/2010/main" val="1741040003"/>
+        <p14:creationId xmlns:p14="http://schemas.microsoft.com/office/powerpoint/2010/main" val="1119024140"/>
       </p:ext>
     </p:extLst>
   </p:cSld>
@@ -5982,7 +9105,13 @@
   <p:cSld>
     <p:spTree>
       <p:nvGrpSpPr>
-        <p:cNvPr id="1" name=""/>
+        <p:cNvPr id="1" name="">
+          <a:extLst>
+            <a:ext uri="{FF2B5EF4-FFF2-40B4-BE49-F238E27FC236}">
+              <a16:creationId xmlns:a16="http://schemas.microsoft.com/office/drawing/2014/main" id="{50306B9F-F1E9-5560-2509-662B9C2EE45C}"/>
+            </a:ext>
+          </a:extLst>
+        </p:cNvPr>
         <p:cNvGrpSpPr/>
         <p:nvPr/>
       </p:nvGrpSpPr>
@@ -5996,14 +9125,49 @@
       </p:grpSpPr>
       <p:sp>
         <p:nvSpPr>
-          <p:cNvPr id="4" name="TextBox 3"/>
+          <p:cNvPr id="4" name="Slide Number Placeholder 3">
+            <a:extLst>
+              <a:ext uri="{FF2B5EF4-FFF2-40B4-BE49-F238E27FC236}">
+                <a16:creationId xmlns:a16="http://schemas.microsoft.com/office/drawing/2014/main" id="{418B8CCF-AEBC-6FF8-0E8F-7ACEA87308B8}"/>
+              </a:ext>
+            </a:extLst>
+          </p:cNvPr>
+          <p:cNvSpPr>
+            <a:spLocks noGrp="1"/>
+          </p:cNvSpPr>
+          <p:nvPr>
+            <p:ph type="sldNum" sz="quarter" idx="12"/>
+          </p:nvPr>
+        </p:nvSpPr>
+        <p:spPr/>
+        <p:txBody>
+          <a:bodyPr/>
+          <a:lstStyle/>
+          <a:p>
+            <a:fld id="{52DC67D9-7476-42EA-B107-119E1B18B658}" type="slidenum">
+              <a:rPr lang="en-US" smtClean="0"/>
+              <a:t>9</a:t>
+            </a:fld>
+            <a:endParaRPr lang="en-US" dirty="0"/>
+          </a:p>
+        </p:txBody>
+      </p:sp>
+      <p:sp>
+        <p:nvSpPr>
+          <p:cNvPr id="5" name="TextBox 4">
+            <a:extLst>
+              <a:ext uri="{FF2B5EF4-FFF2-40B4-BE49-F238E27FC236}">
+                <a16:creationId xmlns:a16="http://schemas.microsoft.com/office/drawing/2014/main" id="{0B6336DE-6D4F-5D7E-D64E-D04A75DBA80B}"/>
+              </a:ext>
+            </a:extLst>
+          </p:cNvPr>
           <p:cNvSpPr txBox="1"/>
           <p:nvPr/>
         </p:nvSpPr>
         <p:spPr>
           <a:xfrm>
-            <a:off x="743093" y="1185878"/>
-            <a:ext cx="10558668" cy="3170099"/>
+            <a:off x="858915" y="1031993"/>
+            <a:ext cx="10282560" cy="1077218"/>
           </a:xfrm>
           <a:prstGeom prst="rect">
             <a:avLst/>
@@ -6017,29 +9181,413 @@
           <a:lstStyle/>
           <a:p>
             <a:r>
-              <a:rPr lang="en-US" sz="4400" b="1" dirty="0"/>
-              <a:t>Expanding Window</a:t>
-            </a:r>
-          </a:p>
-          <a:p>
-            <a:endParaRPr lang="en-US" sz="2400" b="1" dirty="0"/>
-          </a:p>
-          <a:p>
-            <a:r>
-              <a:rPr lang="en-US" sz="4400" dirty="0"/>
-              <a:t>It accumulates all available data from the beginning (or from an initial index) up to the current point.</a:t>
-            </a:r>
-            <a:endParaRPr lang="en-PH" sz="4400" dirty="0">
-              <a:latin typeface="Arial" pitchFamily="34" charset="0"/>
-              <a:cs typeface="Arial" pitchFamily="34" charset="0"/>
-            </a:endParaRPr>
-          </a:p>
-        </p:txBody>
-      </p:sp>
+              <a:rPr lang="en-US" sz="3200" b="1" dirty="0"/>
+              <a:t>01. Given the data: 2, 4, 6. What is the 2-window moving average series?</a:t>
+            </a:r>
+            <a:endParaRPr lang="en-PH" sz="3200" dirty="0"/>
+          </a:p>
+        </p:txBody>
+      </p:sp>
+      <p:graphicFrame>
+        <p:nvGraphicFramePr>
+          <p:cNvPr id="6" name="Table 5">
+            <a:extLst>
+              <a:ext uri="{FF2B5EF4-FFF2-40B4-BE49-F238E27FC236}">
+                <a16:creationId xmlns:a16="http://schemas.microsoft.com/office/drawing/2014/main" id="{0329FAE3-8E2E-90CB-6E1B-64AD8DC657EC}"/>
+              </a:ext>
+            </a:extLst>
+          </p:cNvPr>
+          <p:cNvGraphicFramePr>
+            <a:graphicFrameLocks noGrp="1"/>
+          </p:cNvGraphicFramePr>
+          <p:nvPr>
+            <p:extLst>
+              <p:ext uri="{D42A27DB-BD31-4B8C-83A1-F6EECF244321}">
+                <p14:modId xmlns:p14="http://schemas.microsoft.com/office/powerpoint/2010/main" val="4237329465"/>
+              </p:ext>
+            </p:extLst>
+          </p:nvPr>
+        </p:nvGraphicFramePr>
+        <p:xfrm>
+          <a:off x="932463" y="2308997"/>
+          <a:ext cx="10135464" cy="2153513"/>
+        </p:xfrm>
+        <a:graphic>
+          <a:graphicData uri="http://schemas.openxmlformats.org/drawingml/2006/table">
+            <a:tbl>
+              <a:tblPr firstRow="1" bandRow="1">
+                <a:tableStyleId>{5940675A-B579-460E-94D1-54222C63F5DA}</a:tableStyleId>
+              </a:tblPr>
+              <a:tblGrid>
+                <a:gridCol w="10135464">
+                  <a:extLst>
+                    <a:ext uri="{9D8B030D-6E8A-4147-A177-3AD203B41FA5}">
+                      <a16:colId xmlns:a16="http://schemas.microsoft.com/office/drawing/2014/main" val="347220614"/>
+                    </a:ext>
+                  </a:extLst>
+                </a:gridCol>
+              </a:tblGrid>
+              <a:tr h="417278">
+                <a:tc>
+                  <a:txBody>
+                    <a:bodyPr/>
+                    <a:lstStyle/>
+                    <a:p>
+                      <a:r>
+                        <a:rPr lang="en-US" sz="2800" b="1" dirty="0"/>
+                        <a:t>A</a:t>
+                      </a:r>
+                      <a:r>
+                        <a:rPr lang="en-US" sz="2800" dirty="0"/>
+                        <a:t>. (4, 6)</a:t>
+                      </a:r>
+                      <a:endParaRPr lang="en-PH" sz="2800" dirty="0"/>
+                    </a:p>
+                  </a:txBody>
+                  <a:tcPr/>
+                </a:tc>
+                <a:extLst>
+                  <a:ext uri="{0D108BD9-81ED-4DB2-BD59-A6C34878D82A}">
+                    <a16:rowId xmlns:a16="http://schemas.microsoft.com/office/drawing/2014/main" val="3090890639"/>
+                  </a:ext>
+                </a:extLst>
+              </a:tr>
+              <a:tr h="599033">
+                <a:tc>
+                  <a:txBody>
+                    <a:bodyPr/>
+                    <a:lstStyle/>
+                    <a:p>
+                      <a:r>
+                        <a:rPr lang="en-US" sz="2800" b="1" dirty="0"/>
+                        <a:t>B</a:t>
+                      </a:r>
+                      <a:r>
+                        <a:rPr lang="en-US" sz="2800" dirty="0"/>
+                        <a:t>. (3, 5)</a:t>
+                      </a:r>
+                    </a:p>
+                  </a:txBody>
+                  <a:tcPr>
+                    <a:solidFill>
+                      <a:srgbClr val="FFFF00"/>
+                    </a:solidFill>
+                  </a:tcPr>
+                </a:tc>
+                <a:extLst>
+                  <a:ext uri="{0D108BD9-81ED-4DB2-BD59-A6C34878D82A}">
+                    <a16:rowId xmlns:a16="http://schemas.microsoft.com/office/drawing/2014/main" val="2340900590"/>
+                  </a:ext>
+                </a:extLst>
+              </a:tr>
+              <a:tr h="508725">
+                <a:tc>
+                  <a:txBody>
+                    <a:bodyPr/>
+                    <a:lstStyle/>
+                    <a:p>
+                      <a:r>
+                        <a:rPr lang="en-US" sz="2800" b="1" dirty="0"/>
+                        <a:t>C</a:t>
+                      </a:r>
+                      <a:r>
+                        <a:rPr lang="en-US" sz="2800" dirty="0"/>
+                        <a:t>. (2, 4)</a:t>
+                      </a:r>
+                      <a:endParaRPr lang="en-PH" sz="2800" dirty="0"/>
+                    </a:p>
+                  </a:txBody>
+                  <a:tcPr/>
+                </a:tc>
+                <a:extLst>
+                  <a:ext uri="{0D108BD9-81ED-4DB2-BD59-A6C34878D82A}">
+                    <a16:rowId xmlns:a16="http://schemas.microsoft.com/office/drawing/2014/main" val="3017780003"/>
+                  </a:ext>
+                </a:extLst>
+              </a:tr>
+              <a:tr h="508725">
+                <a:tc>
+                  <a:txBody>
+                    <a:bodyPr/>
+                    <a:lstStyle/>
+                    <a:p>
+                      <a:pPr marL="0" marR="0" lvl="0" indent="0" algn="l" defTabSz="914400" rtl="0" eaLnBrk="1" fontAlgn="auto" latinLnBrk="0" hangingPunct="1">
+                        <a:lnSpc>
+                          <a:spcPct val="100000"/>
+                        </a:lnSpc>
+                        <a:spcBef>
+                          <a:spcPts val="0"/>
+                        </a:spcBef>
+                        <a:spcAft>
+                          <a:spcPts val="0"/>
+                        </a:spcAft>
+                        <a:buClrTx/>
+                        <a:buSzTx/>
+                        <a:buFontTx/>
+                        <a:buNone/>
+                        <a:tabLst/>
+                        <a:defRPr/>
+                      </a:pPr>
+                      <a:r>
+                        <a:rPr lang="en-US" sz="2800" b="1" kern="1200" dirty="0">
+                          <a:solidFill>
+                            <a:schemeClr val="tx1"/>
+                          </a:solidFill>
+                          <a:latin typeface="+mn-lt"/>
+                          <a:ea typeface="+mn-ea"/>
+                          <a:cs typeface="+mn-cs"/>
+                        </a:rPr>
+                        <a:t>D</a:t>
+                      </a:r>
+                      <a:r>
+                        <a:rPr lang="en-US" sz="2800" kern="1200" dirty="0">
+                          <a:solidFill>
+                            <a:schemeClr val="tx1"/>
+                          </a:solidFill>
+                          <a:latin typeface="+mn-lt"/>
+                          <a:ea typeface="+mn-ea"/>
+                          <a:cs typeface="+mn-cs"/>
+                        </a:rPr>
+                        <a:t>. (3, 4)</a:t>
+                      </a:r>
+                      <a:endParaRPr lang="en-PH" sz="2800" kern="1200" dirty="0">
+                        <a:solidFill>
+                          <a:schemeClr val="tx1"/>
+                        </a:solidFill>
+                        <a:latin typeface="+mn-lt"/>
+                        <a:ea typeface="+mn-ea"/>
+                        <a:cs typeface="+mn-cs"/>
+                      </a:endParaRPr>
+                    </a:p>
+                  </a:txBody>
+                  <a:tcPr/>
+                </a:tc>
+                <a:extLst>
+                  <a:ext uri="{0D108BD9-81ED-4DB2-BD59-A6C34878D82A}">
+                    <a16:rowId xmlns:a16="http://schemas.microsoft.com/office/drawing/2014/main" val="716630035"/>
+                  </a:ext>
+                </a:extLst>
+              </a:tr>
+            </a:tbl>
+          </a:graphicData>
+        </a:graphic>
+      </p:graphicFrame>
+      <mc:AlternateContent xmlns:mc="http://schemas.openxmlformats.org/markup-compatibility/2006">
+        <mc:Choice xmlns:a14="http://schemas.microsoft.com/office/drawing/2010/main" Requires="a14">
+          <p:sp>
+            <p:nvSpPr>
+              <p:cNvPr id="2" name="TextBox 1">
+                <a:extLst>
+                  <a:ext uri="{FF2B5EF4-FFF2-40B4-BE49-F238E27FC236}">
+                    <a16:creationId xmlns:a16="http://schemas.microsoft.com/office/drawing/2014/main" id="{15F1866C-A6E8-8340-77BD-8943853B4285}"/>
+                  </a:ext>
+                </a:extLst>
+              </p:cNvPr>
+              <p:cNvSpPr txBox="1"/>
+              <p:nvPr/>
+            </p:nvSpPr>
+            <p:spPr>
+              <a:xfrm>
+                <a:off x="858915" y="4870825"/>
+                <a:ext cx="10282560" cy="1015663"/>
+              </a:xfrm>
+              <a:prstGeom prst="rect">
+                <a:avLst/>
+              </a:prstGeom>
+              <a:noFill/>
+            </p:spPr>
+            <p:txBody>
+              <a:bodyPr wrap="square" rtlCol="0">
+                <a:spAutoFit/>
+              </a:bodyPr>
+              <a:lstStyle/>
+              <a:p>
+                <a:r>
+                  <a:rPr lang="en-PH" sz="2000" b="1" dirty="0"/>
+                  <a:t>Quick mental computation:</a:t>
+                </a:r>
+                <a:endParaRPr lang="en-PH" sz="2000" dirty="0"/>
+              </a:p>
+              <a:p>
+                <a:r>
+                  <a:rPr lang="en-PH" sz="2000" dirty="0"/>
+                  <a:t>First average: </a:t>
+                </a:r>
+                <a14:m>
+                  <m:oMath xmlns:m="http://schemas.openxmlformats.org/officeDocument/2006/math">
+                    <m:d>
+                      <m:dPr>
+                        <m:ctrlPr>
+                          <a:rPr lang="ar-AE"/>
+                        </m:ctrlPr>
+                      </m:dPr>
+                      <m:e>
+                        <m:r>
+                          <a:rPr lang="ar-AE"/>
+                          <m:t>2</m:t>
+                        </m:r>
+                        <m:r>
+                          <a:rPr lang="ar-AE"/>
+                          <m:t>+</m:t>
+                        </m:r>
+                        <m:r>
+                          <a:rPr lang="ar-AE"/>
+                          <m:t>4</m:t>
+                        </m:r>
+                      </m:e>
+                    </m:d>
+                    <m:r>
+                      <a:rPr lang="ar-AE"/>
+                      <m:t>/</m:t>
+                    </m:r>
+                    <m:r>
+                      <a:rPr lang="ar-AE"/>
+                      <m:t>2</m:t>
+                    </m:r>
+                    <m:r>
+                      <a:rPr lang="ar-AE"/>
+                      <m:t>=</m:t>
+                    </m:r>
+                    <m:r>
+                      <a:rPr lang="ar-AE"/>
+                      <m:t>6</m:t>
+                    </m:r>
+                    <m:r>
+                      <a:rPr lang="ar-AE"/>
+                      <m:t>/</m:t>
+                    </m:r>
+                    <m:r>
+                      <a:rPr lang="ar-AE"/>
+                      <m:t>2</m:t>
+                    </m:r>
+                    <m:r>
+                      <a:rPr lang="ar-AE"/>
+                      <m:t>=</m:t>
+                    </m:r>
+                    <m:r>
+                      <a:rPr lang="ar-AE"/>
+                      <m:t>3</m:t>
+                    </m:r>
+                  </m:oMath>
+                </a14:m>
+                <a:endParaRPr lang="ar-AE" sz="2000" dirty="0"/>
+              </a:p>
+              <a:p>
+                <a:r>
+                  <a:rPr lang="en-PH" sz="2000" dirty="0"/>
+                  <a:t>Second average: </a:t>
+                </a:r>
+                <a14:m>
+                  <m:oMath xmlns:m="http://schemas.openxmlformats.org/officeDocument/2006/math">
+                    <m:d>
+                      <m:dPr>
+                        <m:ctrlPr>
+                          <a:rPr lang="ar-AE"/>
+                        </m:ctrlPr>
+                      </m:dPr>
+                      <m:e>
+                        <m:r>
+                          <a:rPr lang="ar-AE"/>
+                          <m:t>4</m:t>
+                        </m:r>
+                        <m:r>
+                          <a:rPr lang="ar-AE"/>
+                          <m:t>+</m:t>
+                        </m:r>
+                        <m:r>
+                          <a:rPr lang="ar-AE"/>
+                          <m:t>6</m:t>
+                        </m:r>
+                      </m:e>
+                    </m:d>
+                    <m:r>
+                      <a:rPr lang="ar-AE"/>
+                      <m:t>/</m:t>
+                    </m:r>
+                    <m:r>
+                      <a:rPr lang="ar-AE"/>
+                      <m:t>2</m:t>
+                    </m:r>
+                    <m:r>
+                      <a:rPr lang="ar-AE"/>
+                      <m:t>=</m:t>
+                    </m:r>
+                    <m:r>
+                      <a:rPr lang="ar-AE"/>
+                      <m:t>10</m:t>
+                    </m:r>
+                    <m:r>
+                      <a:rPr lang="ar-AE"/>
+                      <m:t>/</m:t>
+                    </m:r>
+                    <m:r>
+                      <a:rPr lang="ar-AE"/>
+                      <m:t>2</m:t>
+                    </m:r>
+                    <m:r>
+                      <a:rPr lang="ar-AE"/>
+                      <m:t>=</m:t>
+                    </m:r>
+                    <m:r>
+                      <a:rPr lang="ar-AE"/>
+                      <m:t>5</m:t>
+                    </m:r>
+                  </m:oMath>
+                </a14:m>
+                <a:endParaRPr lang="ar-AE" sz="2000" dirty="0"/>
+              </a:p>
+            </p:txBody>
+          </p:sp>
+        </mc:Choice>
+        <mc:Fallback>
+          <p:sp>
+            <p:nvSpPr>
+              <p:cNvPr id="2" name="TextBox 1">
+                <a:extLst>
+                  <a:ext uri="{FF2B5EF4-FFF2-40B4-BE49-F238E27FC236}">
+                    <a16:creationId xmlns:a16="http://schemas.microsoft.com/office/drawing/2014/main" id="{15F1866C-A6E8-8340-77BD-8943853B4285}"/>
+                  </a:ext>
+                </a:extLst>
+              </p:cNvPr>
+              <p:cNvSpPr txBox="1">
+                <a:spLocks noRot="1" noChangeAspect="1" noMove="1" noResize="1" noEditPoints="1" noAdjustHandles="1" noChangeArrowheads="1" noChangeShapeType="1" noTextEdit="1"/>
+              </p:cNvSpPr>
+              <p:nvPr/>
+            </p:nvSpPr>
+            <p:spPr>
+              <a:xfrm>
+                <a:off x="858915" y="4870825"/>
+                <a:ext cx="10282560" cy="1015663"/>
+              </a:xfrm>
+              <a:prstGeom prst="rect">
+                <a:avLst/>
+              </a:prstGeom>
+              <a:blipFill>
+                <a:blip r:embed="rId2"/>
+                <a:stretch>
+                  <a:fillRect l="-652" t="-2994" b="-9581"/>
+                </a:stretch>
+              </a:blipFill>
+            </p:spPr>
+            <p:txBody>
+              <a:bodyPr/>
+              <a:lstStyle/>
+              <a:p>
+                <a:r>
+                  <a:rPr lang="en-PH">
+                    <a:noFill/>
+                  </a:rPr>
+                  <a:t> </a:t>
+                </a:r>
+              </a:p>
+            </p:txBody>
+          </p:sp>
+        </mc:Fallback>
+      </mc:AlternateContent>
     </p:spTree>
     <p:extLst>
       <p:ext uri="{BB962C8B-B14F-4D97-AF65-F5344CB8AC3E}">
-        <p14:creationId xmlns:p14="http://schemas.microsoft.com/office/powerpoint/2010/main" val="1075103379"/>
+        <p14:creationId xmlns:p14="http://schemas.microsoft.com/office/powerpoint/2010/main" val="1901592059"/>
       </p:ext>
     </p:extLst>
   </p:cSld>
